--- a/fall15/slidesF15/trees-minimum.pptx
+++ b/fall15/slidesF15/trees-minimum.pptx
@@ -5,10 +5,10 @@
     <p:sldMasterId id="2147483650" r:id="rId1"/>
   </p:sldMasterIdLst>
   <p:notesMasterIdLst>
-    <p:notesMasterId r:id="rId20"/>
+    <p:notesMasterId r:id="rId21"/>
   </p:notesMasterIdLst>
   <p:handoutMasterIdLst>
-    <p:handoutMasterId r:id="rId21"/>
+    <p:handoutMasterId r:id="rId22"/>
   </p:handoutMasterIdLst>
   <p:sldIdLst>
     <p:sldId id="990" r:id="rId2"/>
@@ -20,20 +20,21 @@
     <p:sldId id="1035" r:id="rId8"/>
     <p:sldId id="1045" r:id="rId9"/>
     <p:sldId id="1036" r:id="rId10"/>
-    <p:sldId id="1046" r:id="rId11"/>
-    <p:sldId id="1038" r:id="rId12"/>
-    <p:sldId id="1044" r:id="rId13"/>
-    <p:sldId id="1043" r:id="rId14"/>
-    <p:sldId id="1047" r:id="rId15"/>
-    <p:sldId id="1048" r:id="rId16"/>
-    <p:sldId id="1049" r:id="rId17"/>
-    <p:sldId id="1039" r:id="rId18"/>
-    <p:sldId id="1040" r:id="rId19"/>
+    <p:sldId id="1050" r:id="rId11"/>
+    <p:sldId id="1046" r:id="rId12"/>
+    <p:sldId id="1038" r:id="rId13"/>
+    <p:sldId id="1044" r:id="rId14"/>
+    <p:sldId id="1043" r:id="rId15"/>
+    <p:sldId id="1047" r:id="rId16"/>
+    <p:sldId id="1048" r:id="rId17"/>
+    <p:sldId id="1049" r:id="rId18"/>
+    <p:sldId id="1039" r:id="rId19"/>
+    <p:sldId id="1040" r:id="rId20"/>
   </p:sldIdLst>
   <p:sldSz cx="9144000" cy="6858000" type="screen4x3"/>
   <p:notesSz cx="9601200" cy="7315200"/>
   <p:custDataLst>
-    <p:tags r:id="rId23"/>
+    <p:tags r:id="rId24"/>
   </p:custDataLst>
   <p:defaultTextStyle>
     <a:defPPr>
@@ -1613,6 +1614,104 @@
 </p:notes>
 </file>
 
+<file path=ppt/notesSlides/notesSlide17.xml><?xml version="1.0" encoding="utf-8"?>
+<p:notes xmlns:a="http://schemas.openxmlformats.org/drawingml/2006/main" xmlns:r="http://schemas.openxmlformats.org/officeDocument/2006/relationships" xmlns:p="http://schemas.openxmlformats.org/presentationml/2006/main">
+  <p:cSld>
+    <p:spTree>
+      <p:nvGrpSpPr>
+        <p:cNvPr id="1" name=""/>
+        <p:cNvGrpSpPr/>
+        <p:nvPr/>
+      </p:nvGrpSpPr>
+      <p:grpSpPr>
+        <a:xfrm>
+          <a:off x="0" y="0"/>
+          <a:ext cx="0" cy="0"/>
+          <a:chOff x="0" y="0"/>
+          <a:chExt cx="0" cy="0"/>
+        </a:xfrm>
+      </p:grpSpPr>
+      <p:sp>
+        <p:nvSpPr>
+          <p:cNvPr id="124930" name="Rectangle 7"/>
+          <p:cNvSpPr>
+            <a:spLocks noGrp="1" noChangeArrowheads="1"/>
+          </p:cNvSpPr>
+          <p:nvPr>
+            <p:ph type="sldNum" sz="quarter" idx="5"/>
+          </p:nvPr>
+        </p:nvSpPr>
+        <p:spPr>
+          <a:noFill/>
+        </p:spPr>
+        <p:txBody>
+          <a:bodyPr/>
+          <a:lstStyle/>
+          <a:p>
+            <a:fld id="{1DE77B36-02C7-4122-B050-310670161D6E}" type="slidenum">
+              <a:rPr lang="zh-CN" altLang="en-US" smtClean="0">
+                <a:latin typeface="Times New Roman" pitchFamily="8" charset="0"/>
+              </a:rPr>
+              <a:pPr/>
+              <a:t>18</a:t>
+            </a:fld>
+            <a:endParaRPr lang="en-US" altLang="zh-CN" smtClean="0">
+              <a:latin typeface="Times New Roman" pitchFamily="8" charset="0"/>
+            </a:endParaRPr>
+          </a:p>
+        </p:txBody>
+      </p:sp>
+      <p:sp>
+        <p:nvSpPr>
+          <p:cNvPr id="124931" name="Rectangle 2"/>
+          <p:cNvSpPr>
+            <a:spLocks noGrp="1" noRot="1" noChangeAspect="1" noChangeArrowheads="1" noTextEdit="1"/>
+          </p:cNvSpPr>
+          <p:nvPr>
+            <p:ph type="sldImg"/>
+          </p:nvPr>
+        </p:nvSpPr>
+        <p:spPr>
+          <a:xfrm>
+            <a:off x="2974975" y="549275"/>
+            <a:ext cx="3657600" cy="2743200"/>
+          </a:xfrm>
+          <a:ln/>
+        </p:spPr>
+      </p:sp>
+      <p:sp>
+        <p:nvSpPr>
+          <p:cNvPr id="124932" name="Rectangle 3"/>
+          <p:cNvSpPr>
+            <a:spLocks noGrp="1" noChangeArrowheads="1"/>
+          </p:cNvSpPr>
+          <p:nvPr>
+            <p:ph type="body" idx="1"/>
+          </p:nvPr>
+        </p:nvSpPr>
+        <p:spPr>
+          <a:noFill/>
+          <a:ln/>
+        </p:spPr>
+        <p:txBody>
+          <a:bodyPr/>
+          <a:lstStyle/>
+          <a:p>
+            <a:pPr eaLnBrk="1" hangingPunct="1"/>
+            <a:endParaRPr lang="zh-CN" altLang="en-US" smtClean="0">
+              <a:latin typeface="Times New Roman" pitchFamily="8" charset="0"/>
+            </a:endParaRPr>
+          </a:p>
+        </p:txBody>
+      </p:sp>
+    </p:spTree>
+  </p:cSld>
+  <p:clrMapOvr>
+    <a:masterClrMapping/>
+  </p:clrMapOvr>
+</p:notes>
+</file>
+
 <file path=ppt/notesSlides/notesSlide2.xml><?xml version="1.0" encoding="utf-8"?>
 <p:notes xmlns:a="http://schemas.openxmlformats.org/drawingml/2006/main" xmlns:r="http://schemas.openxmlformats.org/officeDocument/2006/relationships" xmlns:p="http://schemas.openxmlformats.org/presentationml/2006/main">
   <p:cSld>
@@ -3561,13 +3660,7 @@
               <a:rPr lang="en-US" sz="1200" dirty="0" smtClean="0">
                 <a:latin typeface="Comic Sans MS" pitchFamily="66" charset="0"/>
               </a:rPr>
-              <a:t>,    </a:t>
-            </a:r>
-            <a:r>
-              <a:rPr lang="en-US" sz="1200" dirty="0" smtClean="0">
-                <a:latin typeface="Comic Sans MS" pitchFamily="66" charset="0"/>
-              </a:rPr>
-              <a:t>October</a:t>
+              <a:t>,    October</a:t>
             </a:r>
             <a:r>
               <a:rPr lang="en-US" sz="1200" baseline="0" dirty="0" smtClean="0">
@@ -4304,6 +4397,37 @@
       </p:sp>
       <p:sp>
         <p:nvSpPr>
+          <p:cNvPr id="4" name="TextBox 3"/>
+          <p:cNvSpPr txBox="1"/>
+          <p:nvPr/>
+        </p:nvSpPr>
+        <p:spPr>
+          <a:xfrm>
+            <a:off x="884445" y="997802"/>
+            <a:ext cx="5541250" cy="769441"/>
+          </a:xfrm>
+          <a:prstGeom prst="rect">
+            <a:avLst/>
+          </a:prstGeom>
+          <a:noFill/>
+        </p:spPr>
+        <p:txBody>
+          <a:bodyPr wrap="none" rtlCol="0">
+            <a:spAutoFit/>
+          </a:bodyPr>
+          <a:lstStyle/>
+          <a:p>
+            <a:r>
+              <a:rPr lang="en-US" sz="4400" dirty="0" smtClean="0">
+                <a:latin typeface="+mj-lt"/>
+              </a:rPr>
+              <a:t>re-color components</a:t>
+            </a:r>
+          </a:p>
+        </p:txBody>
+      </p:sp>
+      <p:sp>
+        <p:nvSpPr>
           <p:cNvPr id="54" name="Oval 5"/>
           <p:cNvSpPr>
             <a:spLocks noChangeArrowheads="1"/>
@@ -4577,9 +4701,9 @@
             <a:avLst/>
           </a:prstGeom>
           <a:noFill/>
-          <a:ln w="63500">
+          <a:ln w="31750">
             <a:solidFill>
-              <a:schemeClr val="bg2"/>
+              <a:schemeClr val="tx1"/>
             </a:solidFill>
             <a:round/>
             <a:headEnd/>
@@ -4693,9 +4817,9 @@
             <a:avLst/>
           </a:prstGeom>
           <a:noFill/>
-          <a:ln w="69850">
+          <a:ln w="31750">
             <a:solidFill>
-              <a:schemeClr val="bg2"/>
+              <a:schemeClr val="tx1"/>
             </a:solidFill>
             <a:round/>
             <a:headEnd/>
@@ -5074,14 +5198,14 @@
       </p:sp>
       <p:sp>
         <p:nvSpPr>
-          <p:cNvPr id="29" name="TextBox 28"/>
+          <p:cNvPr id="2" name="TextBox 1"/>
           <p:cNvSpPr txBox="1"/>
           <p:nvPr/>
         </p:nvSpPr>
         <p:spPr>
           <a:xfrm>
-            <a:off x="884445" y="997802"/>
-            <a:ext cx="3030197" cy="769441"/>
+            <a:off x="1043692" y="5052185"/>
+            <a:ext cx="7023252" cy="1446550"/>
           </a:xfrm>
           <a:prstGeom prst="rect">
             <a:avLst/>
@@ -5098,15 +5222,32 @@
               <a:rPr lang="en-US" sz="4400" dirty="0" smtClean="0">
                 <a:latin typeface="+mj-lt"/>
               </a:rPr>
-              <a:t>gray edges</a:t>
-            </a:r>
+              <a:t>so gray edges must differ</a:t>
+            </a:r>
+          </a:p>
+          <a:p>
+            <a:r>
+              <a:rPr lang="en-US" sz="4400" dirty="0" smtClean="0">
+                <a:latin typeface="+mj-lt"/>
+              </a:rPr>
+              <a:t>from </a:t>
+            </a:r>
+            <a:r>
+              <a:rPr lang="en-US" sz="4400" dirty="0" smtClean="0">
+                <a:latin typeface="+mj-lt"/>
+              </a:rPr>
+              <a:t>previously selected</a:t>
+            </a:r>
+            <a:endParaRPr lang="en-US" sz="4400" dirty="0" smtClean="0">
+              <a:latin typeface="+mj-lt"/>
+            </a:endParaRPr>
           </a:p>
         </p:txBody>
       </p:sp>
     </p:spTree>
     <p:extLst>
       <p:ext uri="{BB962C8B-B14F-4D97-AF65-F5344CB8AC3E}">
-        <p14:creationId xmlns:p14="http://schemas.microsoft.com/office/powerpoint/2010/main" val="2378112790"/>
+        <p14:creationId xmlns:p14="http://schemas.microsoft.com/office/powerpoint/2010/main" val="2427828413"/>
       </p:ext>
     </p:extLst>
   </p:cSld>
@@ -5206,6 +5347,915 @@
               <a:rPr lang="en-US" smtClean="0"/>
               <a:pPr/>
               <a:t>11</a:t>
+            </a:fld>
+            <a:endParaRPr lang="en-US" dirty="0"/>
+          </a:p>
+        </p:txBody>
+      </p:sp>
+      <p:sp>
+        <p:nvSpPr>
+          <p:cNvPr id="54" name="Oval 5"/>
+          <p:cNvSpPr>
+            <a:spLocks noChangeArrowheads="1"/>
+          </p:cNvSpPr>
+          <p:nvPr/>
+        </p:nvSpPr>
+        <p:spPr bwMode="auto">
+          <a:xfrm>
+            <a:off x="2842590" y="3278189"/>
+            <a:ext cx="276225" cy="276225"/>
+          </a:xfrm>
+          <a:prstGeom prst="ellipse">
+            <a:avLst/>
+          </a:prstGeom>
+          <a:solidFill>
+            <a:schemeClr val="tx2"/>
+          </a:solidFill>
+          <a:ln w="9525">
+            <a:solidFill>
+              <a:schemeClr val="tx1"/>
+            </a:solidFill>
+            <a:round/>
+            <a:headEnd/>
+            <a:tailEnd type="none" w="lg" len="lg"/>
+          </a:ln>
+        </p:spPr>
+        <p:txBody>
+          <a:bodyPr wrap="none" anchor="ctr"/>
+          <a:lstStyle/>
+          <a:p>
+            <a:endParaRPr lang="zh-CN" altLang="en-US">
+              <a:ea typeface="宋体" pitchFamily="2" charset="-122"/>
+            </a:endParaRPr>
+          </a:p>
+        </p:txBody>
+      </p:sp>
+      <p:sp>
+        <p:nvSpPr>
+          <p:cNvPr id="55" name="Oval 6"/>
+          <p:cNvSpPr>
+            <a:spLocks noChangeArrowheads="1"/>
+          </p:cNvSpPr>
+          <p:nvPr/>
+        </p:nvSpPr>
+        <p:spPr bwMode="auto">
+          <a:xfrm>
+            <a:off x="4483748" y="3278189"/>
+            <a:ext cx="276225" cy="276225"/>
+          </a:xfrm>
+          <a:prstGeom prst="ellipse">
+            <a:avLst/>
+          </a:prstGeom>
+          <a:solidFill>
+            <a:schemeClr val="tx2"/>
+          </a:solidFill>
+          <a:ln w="9525">
+            <a:solidFill>
+              <a:schemeClr val="tx1"/>
+            </a:solidFill>
+            <a:round/>
+            <a:headEnd/>
+            <a:tailEnd type="none" w="lg" len="lg"/>
+          </a:ln>
+        </p:spPr>
+        <p:txBody>
+          <a:bodyPr wrap="none" anchor="ctr"/>
+          <a:lstStyle/>
+          <a:p>
+            <a:endParaRPr lang="zh-CN" altLang="en-US">
+              <a:ea typeface="宋体" pitchFamily="2" charset="-122"/>
+            </a:endParaRPr>
+          </a:p>
+        </p:txBody>
+      </p:sp>
+      <p:sp>
+        <p:nvSpPr>
+          <p:cNvPr id="56" name="Oval 7"/>
+          <p:cNvSpPr>
+            <a:spLocks noChangeArrowheads="1"/>
+          </p:cNvSpPr>
+          <p:nvPr/>
+        </p:nvSpPr>
+        <p:spPr bwMode="auto">
+          <a:xfrm>
+            <a:off x="4479009" y="2042893"/>
+            <a:ext cx="276225" cy="276225"/>
+          </a:xfrm>
+          <a:prstGeom prst="ellipse">
+            <a:avLst/>
+          </a:prstGeom>
+          <a:solidFill>
+            <a:schemeClr val="accent3"/>
+          </a:solidFill>
+          <a:ln w="9525">
+            <a:solidFill>
+              <a:schemeClr val="tx1"/>
+            </a:solidFill>
+            <a:round/>
+            <a:headEnd/>
+            <a:tailEnd type="none" w="lg" len="lg"/>
+          </a:ln>
+        </p:spPr>
+        <p:txBody>
+          <a:bodyPr wrap="none" anchor="ctr"/>
+          <a:lstStyle/>
+          <a:p>
+            <a:endParaRPr lang="zh-CN" altLang="en-US">
+              <a:ea typeface="宋体" pitchFamily="2" charset="-122"/>
+            </a:endParaRPr>
+          </a:p>
+        </p:txBody>
+      </p:sp>
+      <p:sp>
+        <p:nvSpPr>
+          <p:cNvPr id="57" name="Oval 8"/>
+          <p:cNvSpPr>
+            <a:spLocks noChangeArrowheads="1"/>
+          </p:cNvSpPr>
+          <p:nvPr/>
+        </p:nvSpPr>
+        <p:spPr bwMode="auto">
+          <a:xfrm>
+            <a:off x="3712694" y="4506058"/>
+            <a:ext cx="276225" cy="276225"/>
+          </a:xfrm>
+          <a:prstGeom prst="ellipse">
+            <a:avLst/>
+          </a:prstGeom>
+          <a:solidFill>
+            <a:schemeClr val="tx2"/>
+          </a:solidFill>
+          <a:ln w="9525">
+            <a:solidFill>
+              <a:schemeClr val="tx1"/>
+            </a:solidFill>
+            <a:round/>
+            <a:headEnd/>
+            <a:tailEnd type="none" w="lg" len="lg"/>
+          </a:ln>
+        </p:spPr>
+        <p:txBody>
+          <a:bodyPr wrap="none" anchor="ctr"/>
+          <a:lstStyle/>
+          <a:p>
+            <a:endParaRPr lang="zh-CN" altLang="en-US">
+              <a:ea typeface="宋体" pitchFamily="2" charset="-122"/>
+            </a:endParaRPr>
+          </a:p>
+        </p:txBody>
+      </p:sp>
+      <p:sp>
+        <p:nvSpPr>
+          <p:cNvPr id="58" name="Oval 9"/>
+          <p:cNvSpPr>
+            <a:spLocks noChangeArrowheads="1"/>
+          </p:cNvSpPr>
+          <p:nvPr/>
+        </p:nvSpPr>
+        <p:spPr bwMode="auto">
+          <a:xfrm>
+            <a:off x="5995280" y="3278189"/>
+            <a:ext cx="277813" cy="276225"/>
+          </a:xfrm>
+          <a:prstGeom prst="ellipse">
+            <a:avLst/>
+          </a:prstGeom>
+          <a:solidFill>
+            <a:schemeClr val="tx2"/>
+          </a:solidFill>
+          <a:ln w="9525">
+            <a:solidFill>
+              <a:schemeClr val="tx1"/>
+            </a:solidFill>
+            <a:round/>
+            <a:headEnd/>
+            <a:tailEnd type="none" w="lg" len="lg"/>
+          </a:ln>
+        </p:spPr>
+        <p:txBody>
+          <a:bodyPr wrap="none" anchor="ctr"/>
+          <a:lstStyle/>
+          <a:p>
+            <a:endParaRPr lang="zh-CN" altLang="en-US">
+              <a:ea typeface="宋体" pitchFamily="2" charset="-122"/>
+            </a:endParaRPr>
+          </a:p>
+        </p:txBody>
+      </p:sp>
+      <p:sp>
+        <p:nvSpPr>
+          <p:cNvPr id="59" name="Oval 10"/>
+          <p:cNvSpPr>
+            <a:spLocks noChangeArrowheads="1"/>
+          </p:cNvSpPr>
+          <p:nvPr/>
+        </p:nvSpPr>
+        <p:spPr bwMode="auto">
+          <a:xfrm>
+            <a:off x="5116040" y="4506058"/>
+            <a:ext cx="276225" cy="276225"/>
+          </a:xfrm>
+          <a:prstGeom prst="ellipse">
+            <a:avLst/>
+          </a:prstGeom>
+          <a:solidFill>
+            <a:schemeClr val="tx2"/>
+          </a:solidFill>
+          <a:ln w="9525">
+            <a:solidFill>
+              <a:schemeClr val="tx1"/>
+            </a:solidFill>
+            <a:round/>
+            <a:headEnd/>
+            <a:tailEnd type="none" w="lg" len="lg"/>
+          </a:ln>
+        </p:spPr>
+        <p:txBody>
+          <a:bodyPr wrap="none" anchor="ctr"/>
+          <a:lstStyle/>
+          <a:p>
+            <a:endParaRPr lang="zh-CN" altLang="en-US">
+              <a:ea typeface="宋体" pitchFamily="2" charset="-122"/>
+            </a:endParaRPr>
+          </a:p>
+        </p:txBody>
+      </p:sp>
+      <p:cxnSp>
+        <p:nvCxnSpPr>
+          <p:cNvPr id="60" name="AutoShape 14"/>
+          <p:cNvCxnSpPr>
+            <a:cxnSpLocks noChangeShapeType="1"/>
+            <a:stCxn id="54" idx="6"/>
+            <a:endCxn id="55" idx="2"/>
+          </p:cNvCxnSpPr>
+          <p:nvPr/>
+        </p:nvCxnSpPr>
+        <p:spPr bwMode="auto">
+          <a:xfrm>
+            <a:off x="3118815" y="3416302"/>
+            <a:ext cx="1364933" cy="0"/>
+          </a:xfrm>
+          <a:prstGeom prst="straightConnector1">
+            <a:avLst/>
+          </a:prstGeom>
+          <a:noFill/>
+          <a:ln w="31750">
+            <a:solidFill>
+              <a:schemeClr val="tx1"/>
+            </a:solidFill>
+            <a:round/>
+            <a:headEnd/>
+            <a:tailEnd type="none" w="lg" len="lg"/>
+          </a:ln>
+        </p:spPr>
+      </p:cxnSp>
+      <p:cxnSp>
+        <p:nvCxnSpPr>
+          <p:cNvPr id="61" name="AutoShape 16"/>
+          <p:cNvCxnSpPr>
+            <a:cxnSpLocks noChangeShapeType="1"/>
+            <a:stCxn id="56" idx="3"/>
+          </p:cNvCxnSpPr>
+          <p:nvPr/>
+        </p:nvCxnSpPr>
+        <p:spPr bwMode="auto">
+          <a:xfrm flipH="1">
+            <a:off x="3080563" y="2278666"/>
+            <a:ext cx="1438898" cy="1030524"/>
+          </a:xfrm>
+          <a:prstGeom prst="straightConnector1">
+            <a:avLst/>
+          </a:prstGeom>
+          <a:noFill/>
+          <a:ln w="63500">
+            <a:solidFill>
+              <a:schemeClr val="bg2"/>
+            </a:solidFill>
+            <a:round/>
+            <a:headEnd/>
+            <a:tailEnd type="none" w="lg" len="lg"/>
+          </a:ln>
+        </p:spPr>
+      </p:cxnSp>
+      <p:cxnSp>
+        <p:nvCxnSpPr>
+          <p:cNvPr id="62" name="AutoShape 17"/>
+          <p:cNvCxnSpPr>
+            <a:cxnSpLocks noChangeShapeType="1"/>
+            <a:stCxn id="55" idx="4"/>
+            <a:endCxn id="57" idx="7"/>
+          </p:cNvCxnSpPr>
+          <p:nvPr/>
+        </p:nvCxnSpPr>
+        <p:spPr bwMode="auto">
+          <a:xfrm flipH="1">
+            <a:off x="3948467" y="3554414"/>
+            <a:ext cx="673394" cy="992096"/>
+          </a:xfrm>
+          <a:prstGeom prst="straightConnector1">
+            <a:avLst/>
+          </a:prstGeom>
+          <a:noFill/>
+          <a:ln w="31750">
+            <a:solidFill>
+              <a:schemeClr val="tx1"/>
+            </a:solidFill>
+            <a:round/>
+            <a:headEnd/>
+            <a:tailEnd type="none" w="lg" len="lg"/>
+          </a:ln>
+        </p:spPr>
+      </p:cxnSp>
+      <p:cxnSp>
+        <p:nvCxnSpPr>
+          <p:cNvPr id="63" name="AutoShape 18"/>
+          <p:cNvCxnSpPr>
+            <a:cxnSpLocks noChangeShapeType="1"/>
+            <a:stCxn id="57" idx="6"/>
+            <a:endCxn id="59" idx="2"/>
+          </p:cNvCxnSpPr>
+          <p:nvPr/>
+        </p:nvCxnSpPr>
+        <p:spPr bwMode="auto">
+          <a:xfrm>
+            <a:off x="3988919" y="4644171"/>
+            <a:ext cx="1127121" cy="0"/>
+          </a:xfrm>
+          <a:prstGeom prst="straightConnector1">
+            <a:avLst/>
+          </a:prstGeom>
+          <a:noFill/>
+          <a:ln w="31750">
+            <a:solidFill>
+              <a:schemeClr val="tx1"/>
+            </a:solidFill>
+            <a:round/>
+            <a:headEnd/>
+            <a:tailEnd type="none" w="lg" len="lg"/>
+          </a:ln>
+        </p:spPr>
+      </p:cxnSp>
+      <p:cxnSp>
+        <p:nvCxnSpPr>
+          <p:cNvPr id="64" name="AutoShape 19"/>
+          <p:cNvCxnSpPr>
+            <a:cxnSpLocks noChangeShapeType="1"/>
+            <a:stCxn id="59" idx="7"/>
+            <a:endCxn id="58" idx="4"/>
+          </p:cNvCxnSpPr>
+          <p:nvPr/>
+        </p:nvCxnSpPr>
+        <p:spPr bwMode="auto">
+          <a:xfrm flipV="1">
+            <a:off x="5351813" y="3554414"/>
+            <a:ext cx="782374" cy="992096"/>
+          </a:xfrm>
+          <a:prstGeom prst="straightConnector1">
+            <a:avLst/>
+          </a:prstGeom>
+          <a:noFill/>
+          <a:ln w="38100">
+            <a:solidFill>
+              <a:srgbClr val="FF00FF"/>
+            </a:solidFill>
+            <a:round/>
+            <a:headEnd/>
+            <a:tailEnd type="none" w="lg" len="lg"/>
+          </a:ln>
+        </p:spPr>
+      </p:cxnSp>
+      <p:cxnSp>
+        <p:nvCxnSpPr>
+          <p:cNvPr id="65" name="AutoShape 25"/>
+          <p:cNvCxnSpPr>
+            <a:cxnSpLocks noChangeShapeType="1"/>
+            <a:stCxn id="56" idx="5"/>
+            <a:endCxn id="58" idx="1"/>
+          </p:cNvCxnSpPr>
+          <p:nvPr/>
+        </p:nvCxnSpPr>
+        <p:spPr bwMode="auto">
+          <a:xfrm>
+            <a:off x="4714782" y="2278666"/>
+            <a:ext cx="1321183" cy="1039975"/>
+          </a:xfrm>
+          <a:prstGeom prst="straightConnector1">
+            <a:avLst/>
+          </a:prstGeom>
+          <a:noFill/>
+          <a:ln w="69850">
+            <a:solidFill>
+              <a:schemeClr val="bg2"/>
+            </a:solidFill>
+            <a:round/>
+            <a:headEnd/>
+            <a:tailEnd type="none" w="lg" len="lg"/>
+          </a:ln>
+        </p:spPr>
+      </p:cxnSp>
+      <p:cxnSp>
+        <p:nvCxnSpPr>
+          <p:cNvPr id="66" name="AutoShape 14"/>
+          <p:cNvCxnSpPr>
+            <a:cxnSpLocks noChangeShapeType="1"/>
+            <a:stCxn id="55" idx="6"/>
+            <a:endCxn id="58" idx="2"/>
+          </p:cNvCxnSpPr>
+          <p:nvPr/>
+        </p:nvCxnSpPr>
+        <p:spPr bwMode="auto">
+          <a:xfrm>
+            <a:off x="4759973" y="3416302"/>
+            <a:ext cx="1235307" cy="0"/>
+          </a:xfrm>
+          <a:prstGeom prst="straightConnector1">
+            <a:avLst/>
+          </a:prstGeom>
+          <a:noFill/>
+          <a:ln w="31750">
+            <a:solidFill>
+              <a:schemeClr val="tx1"/>
+            </a:solidFill>
+            <a:round/>
+            <a:headEnd/>
+            <a:tailEnd type="none" w="lg" len="lg"/>
+          </a:ln>
+        </p:spPr>
+      </p:cxnSp>
+      <p:cxnSp>
+        <p:nvCxnSpPr>
+          <p:cNvPr id="68" name="AutoShape 19"/>
+          <p:cNvCxnSpPr>
+            <a:cxnSpLocks noChangeShapeType="1"/>
+            <a:stCxn id="59" idx="1"/>
+            <a:endCxn id="55" idx="4"/>
+          </p:cNvCxnSpPr>
+          <p:nvPr/>
+        </p:nvCxnSpPr>
+        <p:spPr bwMode="auto">
+          <a:xfrm flipH="1" flipV="1">
+            <a:off x="4621861" y="3554414"/>
+            <a:ext cx="534631" cy="992096"/>
+          </a:xfrm>
+          <a:prstGeom prst="straightConnector1">
+            <a:avLst/>
+          </a:prstGeom>
+          <a:noFill/>
+          <a:ln w="31750">
+            <a:solidFill>
+              <a:schemeClr val="tx1"/>
+            </a:solidFill>
+            <a:round/>
+            <a:headEnd/>
+            <a:tailEnd type="none" w="lg" len="lg"/>
+          </a:ln>
+        </p:spPr>
+      </p:cxnSp>
+      <p:cxnSp>
+        <p:nvCxnSpPr>
+          <p:cNvPr id="69" name="AutoShape 19"/>
+          <p:cNvCxnSpPr>
+            <a:cxnSpLocks noChangeShapeType="1"/>
+            <a:stCxn id="57" idx="1"/>
+            <a:endCxn id="54" idx="5"/>
+          </p:cNvCxnSpPr>
+          <p:nvPr/>
+        </p:nvCxnSpPr>
+        <p:spPr bwMode="auto">
+          <a:xfrm flipH="1" flipV="1">
+            <a:off x="3078363" y="3513962"/>
+            <a:ext cx="674783" cy="1032548"/>
+          </a:xfrm>
+          <a:prstGeom prst="straightConnector1">
+            <a:avLst/>
+          </a:prstGeom>
+          <a:noFill/>
+          <a:ln w="31750">
+            <a:solidFill>
+              <a:schemeClr val="tx1"/>
+            </a:solidFill>
+            <a:round/>
+            <a:headEnd/>
+            <a:tailEnd type="none" w="lg" len="lg"/>
+          </a:ln>
+        </p:spPr>
+      </p:cxnSp>
+      <p:sp>
+        <p:nvSpPr>
+          <p:cNvPr id="70" name="TextBox 69"/>
+          <p:cNvSpPr txBox="1"/>
+          <p:nvPr/>
+        </p:nvSpPr>
+        <p:spPr>
+          <a:xfrm>
+            <a:off x="5365893" y="2366003"/>
+            <a:ext cx="403826" cy="523220"/>
+          </a:xfrm>
+          <a:prstGeom prst="rect">
+            <a:avLst/>
+          </a:prstGeom>
+          <a:noFill/>
+        </p:spPr>
+        <p:txBody>
+          <a:bodyPr wrap="none" rtlCol="0">
+            <a:spAutoFit/>
+          </a:bodyPr>
+          <a:lstStyle/>
+          <a:p>
+            <a:r>
+              <a:rPr lang="en-US" sz="2800" dirty="0" smtClean="0">
+                <a:latin typeface="+mj-lt"/>
+              </a:rPr>
+              <a:t>4</a:t>
+            </a:r>
+          </a:p>
+        </p:txBody>
+      </p:sp>
+      <p:sp>
+        <p:nvSpPr>
+          <p:cNvPr id="71" name="TextBox 70"/>
+          <p:cNvSpPr txBox="1"/>
+          <p:nvPr/>
+        </p:nvSpPr>
+        <p:spPr>
+          <a:xfrm>
+            <a:off x="3689089" y="2942448"/>
+            <a:ext cx="403826" cy="523220"/>
+          </a:xfrm>
+          <a:prstGeom prst="rect">
+            <a:avLst/>
+          </a:prstGeom>
+          <a:noFill/>
+        </p:spPr>
+        <p:txBody>
+          <a:bodyPr wrap="none" rtlCol="0">
+            <a:spAutoFit/>
+          </a:bodyPr>
+          <a:lstStyle/>
+          <a:p>
+            <a:r>
+              <a:rPr lang="en-US" sz="2800" dirty="0" smtClean="0">
+                <a:latin typeface="+mj-lt"/>
+              </a:rPr>
+              <a:t>4</a:t>
+            </a:r>
+          </a:p>
+        </p:txBody>
+      </p:sp>
+      <p:sp>
+        <p:nvSpPr>
+          <p:cNvPr id="72" name="TextBox 71"/>
+          <p:cNvSpPr txBox="1"/>
+          <p:nvPr/>
+        </p:nvSpPr>
+        <p:spPr>
+          <a:xfrm>
+            <a:off x="5163575" y="2926872"/>
+            <a:ext cx="346319" cy="523220"/>
+          </a:xfrm>
+          <a:prstGeom prst="rect">
+            <a:avLst/>
+          </a:prstGeom>
+          <a:noFill/>
+        </p:spPr>
+        <p:txBody>
+          <a:bodyPr wrap="none" rtlCol="0">
+            <a:spAutoFit/>
+          </a:bodyPr>
+          <a:lstStyle/>
+          <a:p>
+            <a:r>
+              <a:rPr lang="en-US" sz="2800" dirty="0" smtClean="0">
+                <a:latin typeface="+mj-lt"/>
+              </a:rPr>
+              <a:t>1</a:t>
+            </a:r>
+          </a:p>
+        </p:txBody>
+      </p:sp>
+      <p:sp>
+        <p:nvSpPr>
+          <p:cNvPr id="73" name="TextBox 72"/>
+          <p:cNvSpPr txBox="1"/>
+          <p:nvPr/>
+        </p:nvSpPr>
+        <p:spPr>
+          <a:xfrm>
+            <a:off x="3432483" y="2328207"/>
+            <a:ext cx="403826" cy="523220"/>
+          </a:xfrm>
+          <a:prstGeom prst="rect">
+            <a:avLst/>
+          </a:prstGeom>
+          <a:noFill/>
+        </p:spPr>
+        <p:txBody>
+          <a:bodyPr wrap="none" rtlCol="0">
+            <a:spAutoFit/>
+          </a:bodyPr>
+          <a:lstStyle/>
+          <a:p>
+            <a:r>
+              <a:rPr lang="en-US" sz="2800" dirty="0" smtClean="0">
+                <a:latin typeface="+mj-lt"/>
+              </a:rPr>
+              <a:t>3</a:t>
+            </a:r>
+          </a:p>
+        </p:txBody>
+      </p:sp>
+      <p:sp>
+        <p:nvSpPr>
+          <p:cNvPr id="74" name="TextBox 73"/>
+          <p:cNvSpPr txBox="1"/>
+          <p:nvPr/>
+        </p:nvSpPr>
+        <p:spPr>
+          <a:xfrm>
+            <a:off x="3069636" y="3908060"/>
+            <a:ext cx="403826" cy="523220"/>
+          </a:xfrm>
+          <a:prstGeom prst="rect">
+            <a:avLst/>
+          </a:prstGeom>
+          <a:noFill/>
+        </p:spPr>
+        <p:txBody>
+          <a:bodyPr wrap="none" rtlCol="0">
+            <a:spAutoFit/>
+          </a:bodyPr>
+          <a:lstStyle/>
+          <a:p>
+            <a:r>
+              <a:rPr lang="en-US" sz="2800" dirty="0" smtClean="0">
+                <a:latin typeface="+mj-lt"/>
+              </a:rPr>
+              <a:t>6</a:t>
+            </a:r>
+          </a:p>
+        </p:txBody>
+      </p:sp>
+      <p:sp>
+        <p:nvSpPr>
+          <p:cNvPr id="75" name="TextBox 74"/>
+          <p:cNvSpPr txBox="1"/>
+          <p:nvPr/>
+        </p:nvSpPr>
+        <p:spPr>
+          <a:xfrm>
+            <a:off x="3926217" y="3683162"/>
+            <a:ext cx="403826" cy="523220"/>
+          </a:xfrm>
+          <a:prstGeom prst="rect">
+            <a:avLst/>
+          </a:prstGeom>
+          <a:noFill/>
+        </p:spPr>
+        <p:txBody>
+          <a:bodyPr wrap="none" rtlCol="0">
+            <a:spAutoFit/>
+          </a:bodyPr>
+          <a:lstStyle/>
+          <a:p>
+            <a:r>
+              <a:rPr lang="en-US" sz="2800" dirty="0" smtClean="0">
+                <a:latin typeface="+mj-lt"/>
+              </a:rPr>
+              <a:t>9</a:t>
+            </a:r>
+          </a:p>
+        </p:txBody>
+      </p:sp>
+      <p:sp>
+        <p:nvSpPr>
+          <p:cNvPr id="76" name="TextBox 75"/>
+          <p:cNvSpPr txBox="1"/>
+          <p:nvPr/>
+        </p:nvSpPr>
+        <p:spPr>
+          <a:xfrm>
+            <a:off x="5722980" y="3885384"/>
+            <a:ext cx="403826" cy="523220"/>
+          </a:xfrm>
+          <a:prstGeom prst="rect">
+            <a:avLst/>
+          </a:prstGeom>
+          <a:noFill/>
+        </p:spPr>
+        <p:txBody>
+          <a:bodyPr wrap="none" rtlCol="0">
+            <a:spAutoFit/>
+          </a:bodyPr>
+          <a:lstStyle/>
+          <a:p>
+            <a:r>
+              <a:rPr lang="en-US" sz="2800" dirty="0">
+                <a:latin typeface="+mj-lt"/>
+              </a:rPr>
+              <a:t>2</a:t>
+            </a:r>
+            <a:endParaRPr lang="en-US" sz="2800" dirty="0" smtClean="0">
+              <a:latin typeface="+mj-lt"/>
+            </a:endParaRPr>
+          </a:p>
+        </p:txBody>
+      </p:sp>
+      <p:sp>
+        <p:nvSpPr>
+          <p:cNvPr id="77" name="TextBox 76"/>
+          <p:cNvSpPr txBox="1"/>
+          <p:nvPr/>
+        </p:nvSpPr>
+        <p:spPr>
+          <a:xfrm>
+            <a:off x="4432040" y="4188640"/>
+            <a:ext cx="346319" cy="523220"/>
+          </a:xfrm>
+          <a:prstGeom prst="rect">
+            <a:avLst/>
+          </a:prstGeom>
+          <a:noFill/>
+        </p:spPr>
+        <p:txBody>
+          <a:bodyPr wrap="none" rtlCol="0">
+            <a:spAutoFit/>
+          </a:bodyPr>
+          <a:lstStyle/>
+          <a:p>
+            <a:r>
+              <a:rPr lang="en-US" sz="2800" dirty="0" smtClean="0">
+                <a:latin typeface="+mj-lt"/>
+              </a:rPr>
+              <a:t>1</a:t>
+            </a:r>
+          </a:p>
+        </p:txBody>
+      </p:sp>
+      <p:sp>
+        <p:nvSpPr>
+          <p:cNvPr id="78" name="TextBox 77"/>
+          <p:cNvSpPr txBox="1"/>
+          <p:nvPr/>
+        </p:nvSpPr>
+        <p:spPr>
+          <a:xfrm>
+            <a:off x="4918161" y="3706639"/>
+            <a:ext cx="403826" cy="523220"/>
+          </a:xfrm>
+          <a:prstGeom prst="rect">
+            <a:avLst/>
+          </a:prstGeom>
+          <a:noFill/>
+        </p:spPr>
+        <p:txBody>
+          <a:bodyPr wrap="none" rtlCol="0">
+            <a:spAutoFit/>
+          </a:bodyPr>
+          <a:lstStyle/>
+          <a:p>
+            <a:r>
+              <a:rPr lang="en-US" sz="2800" dirty="0" smtClean="0">
+                <a:latin typeface="+mj-lt"/>
+              </a:rPr>
+              <a:t>7</a:t>
+            </a:r>
+          </a:p>
+        </p:txBody>
+      </p:sp>
+      <p:sp>
+        <p:nvSpPr>
+          <p:cNvPr id="29" name="TextBox 28"/>
+          <p:cNvSpPr txBox="1"/>
+          <p:nvPr/>
+        </p:nvSpPr>
+        <p:spPr>
+          <a:xfrm>
+            <a:off x="884445" y="997802"/>
+            <a:ext cx="3030197" cy="769441"/>
+          </a:xfrm>
+          <a:prstGeom prst="rect">
+            <a:avLst/>
+          </a:prstGeom>
+          <a:noFill/>
+        </p:spPr>
+        <p:txBody>
+          <a:bodyPr wrap="none" rtlCol="0">
+            <a:spAutoFit/>
+          </a:bodyPr>
+          <a:lstStyle/>
+          <a:p>
+            <a:r>
+              <a:rPr lang="en-US" sz="4400" dirty="0" smtClean="0">
+                <a:latin typeface="+mj-lt"/>
+              </a:rPr>
+              <a:t>gray edges</a:t>
+            </a:r>
+          </a:p>
+        </p:txBody>
+      </p:sp>
+    </p:spTree>
+    <p:extLst>
+      <p:ext uri="{BB962C8B-B14F-4D97-AF65-F5344CB8AC3E}">
+        <p14:creationId xmlns:p14="http://schemas.microsoft.com/office/powerpoint/2010/main" val="2378112790"/>
+      </p:ext>
+    </p:extLst>
+  </p:cSld>
+  <p:clrMapOvr>
+    <a:masterClrMapping/>
+  </p:clrMapOvr>
+  <mc:AlternateContent xmlns:mc="http://schemas.openxmlformats.org/markup-compatibility/2006" xmlns:p14="http://schemas.microsoft.com/office/powerpoint/2010/main">
+    <mc:Choice Requires="p14">
+      <p:transition spd="med" p14:dur="700">
+        <p:fade/>
+      </p:transition>
+    </mc:Choice>
+    <mc:Fallback xmlns="">
+      <p:transition xmlns:p14="http://schemas.microsoft.com/office/powerpoint/2010/main" spd="med">
+        <p:fade/>
+      </p:transition>
+    </mc:Fallback>
+  </mc:AlternateContent>
+  <p:timing>
+    <p:tnLst>
+      <p:par>
+        <p:cTn xmlns:p14="http://schemas.microsoft.com/office/powerpoint/2010/main" id="1" dur="indefinite" restart="never" nodeType="tmRoot"/>
+      </p:par>
+    </p:tnLst>
+  </p:timing>
+</p:sld>
+</file>
+
+<file path=ppt/slides/slide12.xml><?xml version="1.0" encoding="utf-8"?>
+<p:sld xmlns:a="http://schemas.openxmlformats.org/drawingml/2006/main" xmlns:r="http://schemas.openxmlformats.org/officeDocument/2006/relationships" xmlns:p="http://schemas.openxmlformats.org/presentationml/2006/main">
+  <p:cSld>
+    <p:spTree>
+      <p:nvGrpSpPr>
+        <p:cNvPr id="1" name=""/>
+        <p:cNvGrpSpPr/>
+        <p:nvPr/>
+      </p:nvGrpSpPr>
+      <p:grpSpPr>
+        <a:xfrm>
+          <a:off x="0" y="0"/>
+          <a:ext cx="0" cy="0"/>
+          <a:chOff x="0" y="0"/>
+          <a:chExt cx="0" cy="0"/>
+        </a:xfrm>
+      </p:grpSpPr>
+      <p:sp>
+        <p:nvSpPr>
+          <p:cNvPr id="66562" name="Rectangle 2"/>
+          <p:cNvSpPr>
+            <a:spLocks noGrp="1" noChangeArrowheads="1"/>
+          </p:cNvSpPr>
+          <p:nvPr>
+            <p:ph type="title"/>
+          </p:nvPr>
+        </p:nvSpPr>
+        <p:spPr/>
+        <p:txBody>
+          <a:bodyPr/>
+          <a:lstStyle/>
+          <a:p>
+            <a:pPr eaLnBrk="1" hangingPunct="1"/>
+            <a:r>
+              <a:rPr lang="en-US" altLang="zh-CN" dirty="0" smtClean="0">
+                <a:ea typeface="宋体" pitchFamily="2" charset="-122"/>
+              </a:rPr>
+              <a:t>Minimum Spanning Trees</a:t>
+            </a:r>
+          </a:p>
+        </p:txBody>
+      </p:sp>
+      <p:sp>
+        <p:nvSpPr>
+          <p:cNvPr id="66565" name="Rectangle 11"/>
+          <p:cNvSpPr>
+            <a:spLocks noGrp="1" noChangeArrowheads="1"/>
+          </p:cNvSpPr>
+          <p:nvPr>
+            <p:ph type="sldNum" sz="quarter" idx="10"/>
+          </p:nvPr>
+        </p:nvSpPr>
+        <p:spPr>
+          <a:noFill/>
+        </p:spPr>
+        <p:txBody>
+          <a:bodyPr/>
+          <a:lstStyle/>
+          <a:p>
+            <a:r>
+              <a:rPr lang="en-US" dirty="0" err="1" smtClean="0"/>
+              <a:t>mintree</a:t>
+            </a:r>
+            <a:r>
+              <a:rPr lang="en-US" dirty="0" smtClean="0"/>
+              <a:t>.</a:t>
+            </a:r>
+            <a:fld id="{D3A2648A-3D07-4686-9397-220DF4B6A18C}" type="slidenum">
+              <a:rPr lang="en-US" smtClean="0"/>
+              <a:pPr/>
+              <a:t>12</a:t>
             </a:fld>
             <a:endParaRPr lang="en-US" dirty="0"/>
           </a:p>
@@ -6160,915 +7210,6 @@
 </p:sld>
 </file>
 
-<file path=ppt/slides/slide12.xml><?xml version="1.0" encoding="utf-8"?>
-<p:sld xmlns:a="http://schemas.openxmlformats.org/drawingml/2006/main" xmlns:r="http://schemas.openxmlformats.org/officeDocument/2006/relationships" xmlns:p="http://schemas.openxmlformats.org/presentationml/2006/main">
-  <p:cSld>
-    <p:spTree>
-      <p:nvGrpSpPr>
-        <p:cNvPr id="1" name=""/>
-        <p:cNvGrpSpPr/>
-        <p:nvPr/>
-      </p:nvGrpSpPr>
-      <p:grpSpPr>
-        <a:xfrm>
-          <a:off x="0" y="0"/>
-          <a:ext cx="0" cy="0"/>
-          <a:chOff x="0" y="0"/>
-          <a:chExt cx="0" cy="0"/>
-        </a:xfrm>
-      </p:grpSpPr>
-      <p:sp>
-        <p:nvSpPr>
-          <p:cNvPr id="66562" name="Rectangle 2"/>
-          <p:cNvSpPr>
-            <a:spLocks noGrp="1" noChangeArrowheads="1"/>
-          </p:cNvSpPr>
-          <p:nvPr>
-            <p:ph type="title"/>
-          </p:nvPr>
-        </p:nvSpPr>
-        <p:spPr/>
-        <p:txBody>
-          <a:bodyPr/>
-          <a:lstStyle/>
-          <a:p>
-            <a:pPr eaLnBrk="1" hangingPunct="1"/>
-            <a:r>
-              <a:rPr lang="en-US" altLang="zh-CN" dirty="0" smtClean="0">
-                <a:ea typeface="宋体" pitchFamily="2" charset="-122"/>
-              </a:rPr>
-              <a:t>Minimum Spanning Trees</a:t>
-            </a:r>
-          </a:p>
-        </p:txBody>
-      </p:sp>
-      <p:sp>
-        <p:nvSpPr>
-          <p:cNvPr id="66565" name="Rectangle 11"/>
-          <p:cNvSpPr>
-            <a:spLocks noGrp="1" noChangeArrowheads="1"/>
-          </p:cNvSpPr>
-          <p:nvPr>
-            <p:ph type="sldNum" sz="quarter" idx="10"/>
-          </p:nvPr>
-        </p:nvSpPr>
-        <p:spPr>
-          <a:noFill/>
-        </p:spPr>
-        <p:txBody>
-          <a:bodyPr/>
-          <a:lstStyle/>
-          <a:p>
-            <a:r>
-              <a:rPr lang="en-US" dirty="0" err="1" smtClean="0"/>
-              <a:t>mintree</a:t>
-            </a:r>
-            <a:r>
-              <a:rPr lang="en-US" dirty="0" smtClean="0"/>
-              <a:t>.</a:t>
-            </a:r>
-            <a:fld id="{D3A2648A-3D07-4686-9397-220DF4B6A18C}" type="slidenum">
-              <a:rPr lang="en-US" smtClean="0"/>
-              <a:pPr/>
-              <a:t>12</a:t>
-            </a:fld>
-            <a:endParaRPr lang="en-US" dirty="0"/>
-          </a:p>
-        </p:txBody>
-      </p:sp>
-      <p:sp>
-        <p:nvSpPr>
-          <p:cNvPr id="54" name="Oval 5"/>
-          <p:cNvSpPr>
-            <a:spLocks noChangeArrowheads="1"/>
-          </p:cNvSpPr>
-          <p:nvPr/>
-        </p:nvSpPr>
-        <p:spPr bwMode="auto">
-          <a:xfrm>
-            <a:off x="2842590" y="3278189"/>
-            <a:ext cx="276225" cy="276225"/>
-          </a:xfrm>
-          <a:prstGeom prst="ellipse">
-            <a:avLst/>
-          </a:prstGeom>
-          <a:solidFill>
-            <a:schemeClr val="tx2"/>
-          </a:solidFill>
-          <a:ln w="9525">
-            <a:solidFill>
-              <a:schemeClr val="tx1"/>
-            </a:solidFill>
-            <a:round/>
-            <a:headEnd/>
-            <a:tailEnd type="none" w="lg" len="lg"/>
-          </a:ln>
-        </p:spPr>
-        <p:txBody>
-          <a:bodyPr wrap="none" anchor="ctr"/>
-          <a:lstStyle/>
-          <a:p>
-            <a:endParaRPr lang="zh-CN" altLang="en-US">
-              <a:ea typeface="宋体" pitchFamily="2" charset="-122"/>
-            </a:endParaRPr>
-          </a:p>
-        </p:txBody>
-      </p:sp>
-      <p:sp>
-        <p:nvSpPr>
-          <p:cNvPr id="55" name="Oval 6"/>
-          <p:cNvSpPr>
-            <a:spLocks noChangeArrowheads="1"/>
-          </p:cNvSpPr>
-          <p:nvPr/>
-        </p:nvSpPr>
-        <p:spPr bwMode="auto">
-          <a:xfrm>
-            <a:off x="4483748" y="3278189"/>
-            <a:ext cx="276225" cy="276225"/>
-          </a:xfrm>
-          <a:prstGeom prst="ellipse">
-            <a:avLst/>
-          </a:prstGeom>
-          <a:solidFill>
-            <a:schemeClr val="tx2"/>
-          </a:solidFill>
-          <a:ln w="9525">
-            <a:solidFill>
-              <a:schemeClr val="tx1"/>
-            </a:solidFill>
-            <a:round/>
-            <a:headEnd/>
-            <a:tailEnd type="none" w="lg" len="lg"/>
-          </a:ln>
-        </p:spPr>
-        <p:txBody>
-          <a:bodyPr wrap="none" anchor="ctr"/>
-          <a:lstStyle/>
-          <a:p>
-            <a:endParaRPr lang="zh-CN" altLang="en-US">
-              <a:ea typeface="宋体" pitchFamily="2" charset="-122"/>
-            </a:endParaRPr>
-          </a:p>
-        </p:txBody>
-      </p:sp>
-      <p:sp>
-        <p:nvSpPr>
-          <p:cNvPr id="56" name="Oval 7"/>
-          <p:cNvSpPr>
-            <a:spLocks noChangeArrowheads="1"/>
-          </p:cNvSpPr>
-          <p:nvPr/>
-        </p:nvSpPr>
-        <p:spPr bwMode="auto">
-          <a:xfrm>
-            <a:off x="4479009" y="2042893"/>
-            <a:ext cx="276225" cy="276225"/>
-          </a:xfrm>
-          <a:prstGeom prst="ellipse">
-            <a:avLst/>
-          </a:prstGeom>
-          <a:solidFill>
-            <a:schemeClr val="accent3"/>
-          </a:solidFill>
-          <a:ln w="9525">
-            <a:solidFill>
-              <a:schemeClr val="tx1"/>
-            </a:solidFill>
-            <a:round/>
-            <a:headEnd/>
-            <a:tailEnd type="none" w="lg" len="lg"/>
-          </a:ln>
-        </p:spPr>
-        <p:txBody>
-          <a:bodyPr wrap="none" anchor="ctr"/>
-          <a:lstStyle/>
-          <a:p>
-            <a:endParaRPr lang="zh-CN" altLang="en-US">
-              <a:ea typeface="宋体" pitchFamily="2" charset="-122"/>
-            </a:endParaRPr>
-          </a:p>
-        </p:txBody>
-      </p:sp>
-      <p:sp>
-        <p:nvSpPr>
-          <p:cNvPr id="57" name="Oval 8"/>
-          <p:cNvSpPr>
-            <a:spLocks noChangeArrowheads="1"/>
-          </p:cNvSpPr>
-          <p:nvPr/>
-        </p:nvSpPr>
-        <p:spPr bwMode="auto">
-          <a:xfrm>
-            <a:off x="3712694" y="4506058"/>
-            <a:ext cx="276225" cy="276225"/>
-          </a:xfrm>
-          <a:prstGeom prst="ellipse">
-            <a:avLst/>
-          </a:prstGeom>
-          <a:solidFill>
-            <a:schemeClr val="tx2"/>
-          </a:solidFill>
-          <a:ln w="9525">
-            <a:solidFill>
-              <a:schemeClr val="tx1"/>
-            </a:solidFill>
-            <a:round/>
-            <a:headEnd/>
-            <a:tailEnd type="none" w="lg" len="lg"/>
-          </a:ln>
-        </p:spPr>
-        <p:txBody>
-          <a:bodyPr wrap="none" anchor="ctr"/>
-          <a:lstStyle/>
-          <a:p>
-            <a:endParaRPr lang="zh-CN" altLang="en-US">
-              <a:ea typeface="宋体" pitchFamily="2" charset="-122"/>
-            </a:endParaRPr>
-          </a:p>
-        </p:txBody>
-      </p:sp>
-      <p:sp>
-        <p:nvSpPr>
-          <p:cNvPr id="58" name="Oval 9"/>
-          <p:cNvSpPr>
-            <a:spLocks noChangeArrowheads="1"/>
-          </p:cNvSpPr>
-          <p:nvPr/>
-        </p:nvSpPr>
-        <p:spPr bwMode="auto">
-          <a:xfrm>
-            <a:off x="5995280" y="3278189"/>
-            <a:ext cx="277813" cy="276225"/>
-          </a:xfrm>
-          <a:prstGeom prst="ellipse">
-            <a:avLst/>
-          </a:prstGeom>
-          <a:solidFill>
-            <a:schemeClr val="tx2"/>
-          </a:solidFill>
-          <a:ln w="9525">
-            <a:solidFill>
-              <a:schemeClr val="tx1"/>
-            </a:solidFill>
-            <a:round/>
-            <a:headEnd/>
-            <a:tailEnd type="none" w="lg" len="lg"/>
-          </a:ln>
-        </p:spPr>
-        <p:txBody>
-          <a:bodyPr wrap="none" anchor="ctr"/>
-          <a:lstStyle/>
-          <a:p>
-            <a:endParaRPr lang="zh-CN" altLang="en-US">
-              <a:ea typeface="宋体" pitchFamily="2" charset="-122"/>
-            </a:endParaRPr>
-          </a:p>
-        </p:txBody>
-      </p:sp>
-      <p:sp>
-        <p:nvSpPr>
-          <p:cNvPr id="59" name="Oval 10"/>
-          <p:cNvSpPr>
-            <a:spLocks noChangeArrowheads="1"/>
-          </p:cNvSpPr>
-          <p:nvPr/>
-        </p:nvSpPr>
-        <p:spPr bwMode="auto">
-          <a:xfrm>
-            <a:off x="5116040" y="4506058"/>
-            <a:ext cx="276225" cy="276225"/>
-          </a:xfrm>
-          <a:prstGeom prst="ellipse">
-            <a:avLst/>
-          </a:prstGeom>
-          <a:solidFill>
-            <a:schemeClr val="tx2"/>
-          </a:solidFill>
-          <a:ln w="9525">
-            <a:solidFill>
-              <a:schemeClr val="tx1"/>
-            </a:solidFill>
-            <a:round/>
-            <a:headEnd/>
-            <a:tailEnd type="none" w="lg" len="lg"/>
-          </a:ln>
-        </p:spPr>
-        <p:txBody>
-          <a:bodyPr wrap="none" anchor="ctr"/>
-          <a:lstStyle/>
-          <a:p>
-            <a:endParaRPr lang="zh-CN" altLang="en-US">
-              <a:ea typeface="宋体" pitchFamily="2" charset="-122"/>
-            </a:endParaRPr>
-          </a:p>
-        </p:txBody>
-      </p:sp>
-      <p:cxnSp>
-        <p:nvCxnSpPr>
-          <p:cNvPr id="60" name="AutoShape 14"/>
-          <p:cNvCxnSpPr>
-            <a:cxnSpLocks noChangeShapeType="1"/>
-            <a:stCxn id="54" idx="6"/>
-            <a:endCxn id="55" idx="2"/>
-          </p:cNvCxnSpPr>
-          <p:nvPr/>
-        </p:nvCxnSpPr>
-        <p:spPr bwMode="auto">
-          <a:xfrm>
-            <a:off x="3118815" y="3416302"/>
-            <a:ext cx="1364933" cy="0"/>
-          </a:xfrm>
-          <a:prstGeom prst="straightConnector1">
-            <a:avLst/>
-          </a:prstGeom>
-          <a:noFill/>
-          <a:ln w="31750">
-            <a:solidFill>
-              <a:schemeClr val="tx1"/>
-            </a:solidFill>
-            <a:round/>
-            <a:headEnd/>
-            <a:tailEnd type="none" w="lg" len="lg"/>
-          </a:ln>
-        </p:spPr>
-      </p:cxnSp>
-      <p:cxnSp>
-        <p:nvCxnSpPr>
-          <p:cNvPr id="61" name="AutoShape 16"/>
-          <p:cNvCxnSpPr>
-            <a:cxnSpLocks noChangeShapeType="1"/>
-            <a:stCxn id="56" idx="3"/>
-          </p:cNvCxnSpPr>
-          <p:nvPr/>
-        </p:nvCxnSpPr>
-        <p:spPr bwMode="auto">
-          <a:xfrm flipH="1">
-            <a:off x="3080563" y="2278666"/>
-            <a:ext cx="1438898" cy="1030524"/>
-          </a:xfrm>
-          <a:prstGeom prst="straightConnector1">
-            <a:avLst/>
-          </a:prstGeom>
-          <a:noFill/>
-          <a:ln w="34925">
-            <a:solidFill>
-              <a:srgbClr val="FF00FF"/>
-            </a:solidFill>
-            <a:round/>
-            <a:headEnd/>
-            <a:tailEnd type="none" w="lg" len="lg"/>
-          </a:ln>
-        </p:spPr>
-      </p:cxnSp>
-      <p:cxnSp>
-        <p:nvCxnSpPr>
-          <p:cNvPr id="62" name="AutoShape 17"/>
-          <p:cNvCxnSpPr>
-            <a:cxnSpLocks noChangeShapeType="1"/>
-            <a:stCxn id="55" idx="4"/>
-            <a:endCxn id="57" idx="7"/>
-          </p:cNvCxnSpPr>
-          <p:nvPr/>
-        </p:nvCxnSpPr>
-        <p:spPr bwMode="auto">
-          <a:xfrm flipH="1">
-            <a:off x="3948467" y="3554414"/>
-            <a:ext cx="673394" cy="992096"/>
-          </a:xfrm>
-          <a:prstGeom prst="straightConnector1">
-            <a:avLst/>
-          </a:prstGeom>
-          <a:noFill/>
-          <a:ln w="31750">
-            <a:solidFill>
-              <a:schemeClr val="tx1"/>
-            </a:solidFill>
-            <a:round/>
-            <a:headEnd/>
-            <a:tailEnd type="none" w="lg" len="lg"/>
-          </a:ln>
-        </p:spPr>
-      </p:cxnSp>
-      <p:cxnSp>
-        <p:nvCxnSpPr>
-          <p:cNvPr id="63" name="AutoShape 18"/>
-          <p:cNvCxnSpPr>
-            <a:cxnSpLocks noChangeShapeType="1"/>
-            <a:stCxn id="57" idx="6"/>
-            <a:endCxn id="59" idx="2"/>
-          </p:cNvCxnSpPr>
-          <p:nvPr/>
-        </p:nvCxnSpPr>
-        <p:spPr bwMode="auto">
-          <a:xfrm>
-            <a:off x="3988919" y="4644171"/>
-            <a:ext cx="1127121" cy="0"/>
-          </a:xfrm>
-          <a:prstGeom prst="straightConnector1">
-            <a:avLst/>
-          </a:prstGeom>
-          <a:noFill/>
-          <a:ln w="31750">
-            <a:solidFill>
-              <a:schemeClr val="tx1"/>
-            </a:solidFill>
-            <a:round/>
-            <a:headEnd/>
-            <a:tailEnd type="none" w="lg" len="lg"/>
-          </a:ln>
-        </p:spPr>
-      </p:cxnSp>
-      <p:cxnSp>
-        <p:nvCxnSpPr>
-          <p:cNvPr id="64" name="AutoShape 19"/>
-          <p:cNvCxnSpPr>
-            <a:cxnSpLocks noChangeShapeType="1"/>
-            <a:stCxn id="59" idx="7"/>
-            <a:endCxn id="58" idx="4"/>
-          </p:cNvCxnSpPr>
-          <p:nvPr/>
-        </p:nvCxnSpPr>
-        <p:spPr bwMode="auto">
-          <a:xfrm flipV="1">
-            <a:off x="5351813" y="3554414"/>
-            <a:ext cx="782374" cy="992096"/>
-          </a:xfrm>
-          <a:prstGeom prst="straightConnector1">
-            <a:avLst/>
-          </a:prstGeom>
-          <a:noFill/>
-          <a:ln w="31750">
-            <a:solidFill>
-              <a:srgbClr val="FF00FF"/>
-            </a:solidFill>
-            <a:round/>
-            <a:headEnd/>
-            <a:tailEnd type="none" w="lg" len="lg"/>
-          </a:ln>
-        </p:spPr>
-      </p:cxnSp>
-      <p:cxnSp>
-        <p:nvCxnSpPr>
-          <p:cNvPr id="65" name="AutoShape 25"/>
-          <p:cNvCxnSpPr>
-            <a:cxnSpLocks noChangeShapeType="1"/>
-            <a:stCxn id="56" idx="5"/>
-            <a:endCxn id="58" idx="1"/>
-          </p:cNvCxnSpPr>
-          <p:nvPr/>
-        </p:nvCxnSpPr>
-        <p:spPr bwMode="auto">
-          <a:xfrm>
-            <a:off x="4714782" y="2278666"/>
-            <a:ext cx="1321183" cy="1039975"/>
-          </a:xfrm>
-          <a:prstGeom prst="straightConnector1">
-            <a:avLst/>
-          </a:prstGeom>
-          <a:noFill/>
-          <a:ln w="34925">
-            <a:solidFill>
-              <a:schemeClr val="tx2"/>
-            </a:solidFill>
-            <a:round/>
-            <a:headEnd/>
-            <a:tailEnd type="none" w="lg" len="lg"/>
-          </a:ln>
-        </p:spPr>
-      </p:cxnSp>
-      <p:cxnSp>
-        <p:nvCxnSpPr>
-          <p:cNvPr id="66" name="AutoShape 14"/>
-          <p:cNvCxnSpPr>
-            <a:cxnSpLocks noChangeShapeType="1"/>
-            <a:stCxn id="55" idx="6"/>
-            <a:endCxn id="58" idx="2"/>
-          </p:cNvCxnSpPr>
-          <p:nvPr/>
-        </p:nvCxnSpPr>
-        <p:spPr bwMode="auto">
-          <a:xfrm>
-            <a:off x="4759973" y="3416302"/>
-            <a:ext cx="1235307" cy="0"/>
-          </a:xfrm>
-          <a:prstGeom prst="straightConnector1">
-            <a:avLst/>
-          </a:prstGeom>
-          <a:noFill/>
-          <a:ln w="31750">
-            <a:solidFill>
-              <a:schemeClr val="tx1"/>
-            </a:solidFill>
-            <a:round/>
-            <a:headEnd/>
-            <a:tailEnd type="none" w="lg" len="lg"/>
-          </a:ln>
-        </p:spPr>
-      </p:cxnSp>
-      <p:cxnSp>
-        <p:nvCxnSpPr>
-          <p:cNvPr id="68" name="AutoShape 19"/>
-          <p:cNvCxnSpPr>
-            <a:cxnSpLocks noChangeShapeType="1"/>
-            <a:stCxn id="59" idx="1"/>
-            <a:endCxn id="55" idx="4"/>
-          </p:cNvCxnSpPr>
-          <p:nvPr/>
-        </p:nvCxnSpPr>
-        <p:spPr bwMode="auto">
-          <a:xfrm flipH="1" flipV="1">
-            <a:off x="4621861" y="3554414"/>
-            <a:ext cx="534631" cy="992096"/>
-          </a:xfrm>
-          <a:prstGeom prst="straightConnector1">
-            <a:avLst/>
-          </a:prstGeom>
-          <a:noFill/>
-          <a:ln w="31750">
-            <a:solidFill>
-              <a:schemeClr val="tx1"/>
-            </a:solidFill>
-            <a:round/>
-            <a:headEnd/>
-            <a:tailEnd type="none" w="lg" len="lg"/>
-          </a:ln>
-        </p:spPr>
-      </p:cxnSp>
-      <p:cxnSp>
-        <p:nvCxnSpPr>
-          <p:cNvPr id="69" name="AutoShape 19"/>
-          <p:cNvCxnSpPr>
-            <a:cxnSpLocks noChangeShapeType="1"/>
-            <a:stCxn id="57" idx="1"/>
-            <a:endCxn id="54" idx="5"/>
-          </p:cNvCxnSpPr>
-          <p:nvPr/>
-        </p:nvCxnSpPr>
-        <p:spPr bwMode="auto">
-          <a:xfrm flipH="1" flipV="1">
-            <a:off x="3078363" y="3513962"/>
-            <a:ext cx="674783" cy="1032548"/>
-          </a:xfrm>
-          <a:prstGeom prst="straightConnector1">
-            <a:avLst/>
-          </a:prstGeom>
-          <a:noFill/>
-          <a:ln w="31750">
-            <a:solidFill>
-              <a:schemeClr val="tx1"/>
-            </a:solidFill>
-            <a:round/>
-            <a:headEnd/>
-            <a:tailEnd type="none" w="lg" len="lg"/>
-          </a:ln>
-        </p:spPr>
-      </p:cxnSp>
-      <p:sp>
-        <p:nvSpPr>
-          <p:cNvPr id="70" name="TextBox 69"/>
-          <p:cNvSpPr txBox="1"/>
-          <p:nvPr/>
-        </p:nvSpPr>
-        <p:spPr>
-          <a:xfrm>
-            <a:off x="5365893" y="2366003"/>
-            <a:ext cx="403826" cy="523220"/>
-          </a:xfrm>
-          <a:prstGeom prst="rect">
-            <a:avLst/>
-          </a:prstGeom>
-          <a:noFill/>
-        </p:spPr>
-        <p:txBody>
-          <a:bodyPr wrap="none" rtlCol="0">
-            <a:spAutoFit/>
-          </a:bodyPr>
-          <a:lstStyle/>
-          <a:p>
-            <a:r>
-              <a:rPr lang="en-US" sz="2800" dirty="0" smtClean="0">
-                <a:latin typeface="+mj-lt"/>
-              </a:rPr>
-              <a:t>4</a:t>
-            </a:r>
-          </a:p>
-        </p:txBody>
-      </p:sp>
-      <p:sp>
-        <p:nvSpPr>
-          <p:cNvPr id="71" name="TextBox 70"/>
-          <p:cNvSpPr txBox="1"/>
-          <p:nvPr/>
-        </p:nvSpPr>
-        <p:spPr>
-          <a:xfrm>
-            <a:off x="3689089" y="2942448"/>
-            <a:ext cx="403826" cy="523220"/>
-          </a:xfrm>
-          <a:prstGeom prst="rect">
-            <a:avLst/>
-          </a:prstGeom>
-          <a:noFill/>
-        </p:spPr>
-        <p:txBody>
-          <a:bodyPr wrap="none" rtlCol="0">
-            <a:spAutoFit/>
-          </a:bodyPr>
-          <a:lstStyle/>
-          <a:p>
-            <a:r>
-              <a:rPr lang="en-US" sz="2800" dirty="0" smtClean="0">
-                <a:latin typeface="+mj-lt"/>
-              </a:rPr>
-              <a:t>4</a:t>
-            </a:r>
-          </a:p>
-        </p:txBody>
-      </p:sp>
-      <p:sp>
-        <p:nvSpPr>
-          <p:cNvPr id="72" name="TextBox 71"/>
-          <p:cNvSpPr txBox="1"/>
-          <p:nvPr/>
-        </p:nvSpPr>
-        <p:spPr>
-          <a:xfrm>
-            <a:off x="5163575" y="2926872"/>
-            <a:ext cx="346319" cy="523220"/>
-          </a:xfrm>
-          <a:prstGeom prst="rect">
-            <a:avLst/>
-          </a:prstGeom>
-          <a:noFill/>
-        </p:spPr>
-        <p:txBody>
-          <a:bodyPr wrap="none" rtlCol="0">
-            <a:spAutoFit/>
-          </a:bodyPr>
-          <a:lstStyle/>
-          <a:p>
-            <a:r>
-              <a:rPr lang="en-US" sz="2800" dirty="0" smtClean="0">
-                <a:latin typeface="+mj-lt"/>
-              </a:rPr>
-              <a:t>1</a:t>
-            </a:r>
-          </a:p>
-        </p:txBody>
-      </p:sp>
-      <p:sp>
-        <p:nvSpPr>
-          <p:cNvPr id="73" name="TextBox 72"/>
-          <p:cNvSpPr txBox="1"/>
-          <p:nvPr/>
-        </p:nvSpPr>
-        <p:spPr>
-          <a:xfrm>
-            <a:off x="3432483" y="2328207"/>
-            <a:ext cx="403826" cy="523220"/>
-          </a:xfrm>
-          <a:prstGeom prst="rect">
-            <a:avLst/>
-          </a:prstGeom>
-          <a:noFill/>
-        </p:spPr>
-        <p:txBody>
-          <a:bodyPr wrap="none" rtlCol="0">
-            <a:spAutoFit/>
-          </a:bodyPr>
-          <a:lstStyle/>
-          <a:p>
-            <a:r>
-              <a:rPr lang="en-US" sz="2800" dirty="0" smtClean="0">
-                <a:latin typeface="+mj-lt"/>
-              </a:rPr>
-              <a:t>3</a:t>
-            </a:r>
-          </a:p>
-        </p:txBody>
-      </p:sp>
-      <p:sp>
-        <p:nvSpPr>
-          <p:cNvPr id="74" name="TextBox 73"/>
-          <p:cNvSpPr txBox="1"/>
-          <p:nvPr/>
-        </p:nvSpPr>
-        <p:spPr>
-          <a:xfrm>
-            <a:off x="3069636" y="3908060"/>
-            <a:ext cx="403826" cy="523220"/>
-          </a:xfrm>
-          <a:prstGeom prst="rect">
-            <a:avLst/>
-          </a:prstGeom>
-          <a:noFill/>
-        </p:spPr>
-        <p:txBody>
-          <a:bodyPr wrap="none" rtlCol="0">
-            <a:spAutoFit/>
-          </a:bodyPr>
-          <a:lstStyle/>
-          <a:p>
-            <a:r>
-              <a:rPr lang="en-US" sz="2800" dirty="0" smtClean="0">
-                <a:latin typeface="+mj-lt"/>
-              </a:rPr>
-              <a:t>6</a:t>
-            </a:r>
-          </a:p>
-        </p:txBody>
-      </p:sp>
-      <p:sp>
-        <p:nvSpPr>
-          <p:cNvPr id="75" name="TextBox 74"/>
-          <p:cNvSpPr txBox="1"/>
-          <p:nvPr/>
-        </p:nvSpPr>
-        <p:spPr>
-          <a:xfrm>
-            <a:off x="3926217" y="3683162"/>
-            <a:ext cx="403826" cy="523220"/>
-          </a:xfrm>
-          <a:prstGeom prst="rect">
-            <a:avLst/>
-          </a:prstGeom>
-          <a:noFill/>
-        </p:spPr>
-        <p:txBody>
-          <a:bodyPr wrap="none" rtlCol="0">
-            <a:spAutoFit/>
-          </a:bodyPr>
-          <a:lstStyle/>
-          <a:p>
-            <a:r>
-              <a:rPr lang="en-US" sz="2800" dirty="0" smtClean="0">
-                <a:latin typeface="+mj-lt"/>
-              </a:rPr>
-              <a:t>9</a:t>
-            </a:r>
-          </a:p>
-        </p:txBody>
-      </p:sp>
-      <p:sp>
-        <p:nvSpPr>
-          <p:cNvPr id="76" name="TextBox 75"/>
-          <p:cNvSpPr txBox="1"/>
-          <p:nvPr/>
-        </p:nvSpPr>
-        <p:spPr>
-          <a:xfrm>
-            <a:off x="5722980" y="3885384"/>
-            <a:ext cx="403826" cy="523220"/>
-          </a:xfrm>
-          <a:prstGeom prst="rect">
-            <a:avLst/>
-          </a:prstGeom>
-          <a:noFill/>
-        </p:spPr>
-        <p:txBody>
-          <a:bodyPr wrap="none" rtlCol="0">
-            <a:spAutoFit/>
-          </a:bodyPr>
-          <a:lstStyle/>
-          <a:p>
-            <a:r>
-              <a:rPr lang="en-US" sz="2800" dirty="0">
-                <a:latin typeface="+mj-lt"/>
-              </a:rPr>
-              <a:t>2</a:t>
-            </a:r>
-            <a:endParaRPr lang="en-US" sz="2800" dirty="0" smtClean="0">
-              <a:latin typeface="+mj-lt"/>
-            </a:endParaRPr>
-          </a:p>
-        </p:txBody>
-      </p:sp>
-      <p:sp>
-        <p:nvSpPr>
-          <p:cNvPr id="77" name="TextBox 76"/>
-          <p:cNvSpPr txBox="1"/>
-          <p:nvPr/>
-        </p:nvSpPr>
-        <p:spPr>
-          <a:xfrm>
-            <a:off x="4432040" y="4188640"/>
-            <a:ext cx="346319" cy="523220"/>
-          </a:xfrm>
-          <a:prstGeom prst="rect">
-            <a:avLst/>
-          </a:prstGeom>
-          <a:noFill/>
-        </p:spPr>
-        <p:txBody>
-          <a:bodyPr wrap="none" rtlCol="0">
-            <a:spAutoFit/>
-          </a:bodyPr>
-          <a:lstStyle/>
-          <a:p>
-            <a:r>
-              <a:rPr lang="en-US" sz="2800" dirty="0" smtClean="0">
-                <a:latin typeface="+mj-lt"/>
-              </a:rPr>
-              <a:t>1</a:t>
-            </a:r>
-          </a:p>
-        </p:txBody>
-      </p:sp>
-      <p:sp>
-        <p:nvSpPr>
-          <p:cNvPr id="78" name="TextBox 77"/>
-          <p:cNvSpPr txBox="1"/>
-          <p:nvPr/>
-        </p:nvSpPr>
-        <p:spPr>
-          <a:xfrm>
-            <a:off x="4918161" y="3706639"/>
-            <a:ext cx="403826" cy="523220"/>
-          </a:xfrm>
-          <a:prstGeom prst="rect">
-            <a:avLst/>
-          </a:prstGeom>
-          <a:noFill/>
-        </p:spPr>
-        <p:txBody>
-          <a:bodyPr wrap="none" rtlCol="0">
-            <a:spAutoFit/>
-          </a:bodyPr>
-          <a:lstStyle/>
-          <a:p>
-            <a:r>
-              <a:rPr lang="en-US" sz="2800" dirty="0" smtClean="0">
-                <a:latin typeface="+mj-lt"/>
-              </a:rPr>
-              <a:t>7</a:t>
-            </a:r>
-          </a:p>
-        </p:txBody>
-      </p:sp>
-      <p:sp>
-        <p:nvSpPr>
-          <p:cNvPr id="30" name="TextBox 29"/>
-          <p:cNvSpPr txBox="1"/>
-          <p:nvPr/>
-        </p:nvSpPr>
-        <p:spPr>
-          <a:xfrm>
-            <a:off x="884445" y="997802"/>
-            <a:ext cx="5541250" cy="769441"/>
-          </a:xfrm>
-          <a:prstGeom prst="rect">
-            <a:avLst/>
-          </a:prstGeom>
-          <a:noFill/>
-        </p:spPr>
-        <p:txBody>
-          <a:bodyPr wrap="none" rtlCol="0">
-            <a:spAutoFit/>
-          </a:bodyPr>
-          <a:lstStyle/>
-          <a:p>
-            <a:r>
-              <a:rPr lang="en-US" sz="4400" dirty="0" smtClean="0">
-                <a:latin typeface="+mj-lt"/>
-              </a:rPr>
-              <a:t>re-color components</a:t>
-            </a:r>
-          </a:p>
-        </p:txBody>
-      </p:sp>
-    </p:spTree>
-    <p:extLst>
-      <p:ext uri="{BB962C8B-B14F-4D97-AF65-F5344CB8AC3E}">
-        <p14:creationId xmlns:p14="http://schemas.microsoft.com/office/powerpoint/2010/main" val="674562736"/>
-      </p:ext>
-    </p:extLst>
-  </p:cSld>
-  <p:clrMapOvr>
-    <a:masterClrMapping/>
-  </p:clrMapOvr>
-  <mc:AlternateContent xmlns:mc="http://schemas.openxmlformats.org/markup-compatibility/2006" xmlns:p14="http://schemas.microsoft.com/office/powerpoint/2010/main">
-    <mc:Choice Requires="p14">
-      <p:transition spd="med" p14:dur="700">
-        <p:fade/>
-      </p:transition>
-    </mc:Choice>
-    <mc:Fallback xmlns="">
-      <p:transition xmlns:p14="http://schemas.microsoft.com/office/powerpoint/2010/main" spd="med">
-        <p:fade/>
-      </p:transition>
-    </mc:Fallback>
-  </mc:AlternateContent>
-  <p:timing>
-    <p:tnLst>
-      <p:par>
-        <p:cTn xmlns:p14="http://schemas.microsoft.com/office/powerpoint/2010/main" id="1" dur="indefinite" restart="never" nodeType="tmRoot"/>
-      </p:par>
-    </p:tnLst>
-  </p:timing>
-</p:sld>
-</file>
-
 <file path=ppt/slides/slide13.xml><?xml version="1.0" encoding="utf-8"?>
 <p:sld xmlns:a="http://schemas.openxmlformats.org/drawingml/2006/main" xmlns:r="http://schemas.openxmlformats.org/officeDocument/2006/relationships" xmlns:p="http://schemas.openxmlformats.org/presentationml/2006/main">
   <p:cSld>
@@ -7238,7 +7379,7 @@
             <a:avLst/>
           </a:prstGeom>
           <a:solidFill>
-            <a:schemeClr val="tx2"/>
+            <a:schemeClr val="accent3"/>
           </a:solidFill>
           <a:ln w="9525">
             <a:solidFill>
@@ -7314,7 +7455,7 @@
             <a:avLst/>
           </a:prstGeom>
           <a:solidFill>
-            <a:schemeClr val="accent3"/>
+            <a:schemeClr val="tx2"/>
           </a:solidFill>
           <a:ln w="9525">
             <a:solidFill>
@@ -7352,7 +7493,7 @@
             <a:avLst/>
           </a:prstGeom>
           <a:solidFill>
-            <a:schemeClr val="accent3"/>
+            <a:schemeClr val="tx2"/>
           </a:solidFill>
           <a:ln w="9525">
             <a:solidFill>
@@ -7420,7 +7561,7 @@
             <a:avLst/>
           </a:prstGeom>
           <a:noFill/>
-          <a:ln w="38100">
+          <a:ln w="34925">
             <a:solidFill>
               <a:srgbClr val="FF00FF"/>
             </a:solidFill>
@@ -7507,7 +7648,7 @@
             <a:avLst/>
           </a:prstGeom>
           <a:noFill/>
-          <a:ln w="38100">
+          <a:ln w="31750">
             <a:solidFill>
               <a:srgbClr val="FF00FF"/>
             </a:solidFill>
@@ -7536,7 +7677,7 @@
             <a:avLst/>
           </a:prstGeom>
           <a:noFill/>
-          <a:ln w="38100">
+          <a:ln w="34925">
             <a:solidFill>
               <a:schemeClr val="tx2"/>
             </a:solidFill>
@@ -7917,7 +8058,7 @@
       </p:sp>
       <p:sp>
         <p:nvSpPr>
-          <p:cNvPr id="32" name="TextBox 31"/>
+          <p:cNvPr id="30" name="TextBox 29"/>
           <p:cNvSpPr txBox="1"/>
           <p:nvPr/>
         </p:nvSpPr>
@@ -7949,7 +8090,7 @@
     </p:spTree>
     <p:extLst>
       <p:ext uri="{BB962C8B-B14F-4D97-AF65-F5344CB8AC3E}">
-        <p14:creationId xmlns:p14="http://schemas.microsoft.com/office/powerpoint/2010/main" val="834534338"/>
+        <p14:creationId xmlns:p14="http://schemas.microsoft.com/office/powerpoint/2010/main" val="674562736"/>
       </p:ext>
     </p:extLst>
   </p:cSld>
@@ -8387,9 +8528,9 @@
             <a:avLst/>
           </a:prstGeom>
           <a:noFill/>
-          <a:ln w="69850">
+          <a:ln w="31750">
             <a:solidFill>
-              <a:schemeClr val="bg2"/>
+              <a:schemeClr val="tx1"/>
             </a:solidFill>
             <a:round/>
             <a:headEnd/>
@@ -8445,9 +8586,9 @@
             <a:avLst/>
           </a:prstGeom>
           <a:noFill/>
-          <a:ln w="34925">
+          <a:ln w="38100">
             <a:solidFill>
-              <a:schemeClr val="tx1"/>
+              <a:schemeClr val="tx2"/>
             </a:solidFill>
             <a:round/>
             <a:headEnd/>
@@ -8474,9 +8615,9 @@
             <a:avLst/>
           </a:prstGeom>
           <a:noFill/>
-          <a:ln w="69850">
+          <a:ln w="31750">
             <a:solidFill>
-              <a:schemeClr val="bg2"/>
+              <a:schemeClr val="tx1"/>
             </a:solidFill>
             <a:round/>
             <a:headEnd/>
@@ -8826,14 +8967,14 @@
       </p:sp>
       <p:sp>
         <p:nvSpPr>
-          <p:cNvPr id="31" name="TextBox 30"/>
+          <p:cNvPr id="32" name="TextBox 31"/>
           <p:cNvSpPr txBox="1"/>
           <p:nvPr/>
         </p:nvSpPr>
         <p:spPr>
           <a:xfrm>
             <a:off x="884445" y="997802"/>
-            <a:ext cx="3030197" cy="769441"/>
+            <a:ext cx="5541250" cy="769441"/>
           </a:xfrm>
           <a:prstGeom prst="rect">
             <a:avLst/>
@@ -8850,7 +8991,7 @@
               <a:rPr lang="en-US" sz="4400" dirty="0" smtClean="0">
                 <a:latin typeface="+mj-lt"/>
               </a:rPr>
-              <a:t>gray edges</a:t>
+              <a:t>re-color components</a:t>
             </a:r>
           </a:p>
         </p:txBody>
@@ -8858,7 +8999,7 @@
     </p:spTree>
     <p:extLst>
       <p:ext uri="{BB962C8B-B14F-4D97-AF65-F5344CB8AC3E}">
-        <p14:creationId xmlns:p14="http://schemas.microsoft.com/office/powerpoint/2010/main" val="774770028"/>
+        <p14:creationId xmlns:p14="http://schemas.microsoft.com/office/powerpoint/2010/main" val="834534338"/>
       </p:ext>
     </p:extLst>
   </p:cSld>
@@ -9356,7 +9497,7 @@
           <a:noFill/>
           <a:ln w="34925">
             <a:solidFill>
-              <a:schemeClr val="tx2"/>
+              <a:schemeClr val="tx1"/>
             </a:solidFill>
             <a:round/>
             <a:headEnd/>
@@ -9383,9 +9524,9 @@
             <a:avLst/>
           </a:prstGeom>
           <a:noFill/>
-          <a:ln w="63500">
+          <a:ln w="69850">
             <a:solidFill>
-              <a:srgbClr val="FF00FF"/>
+              <a:schemeClr val="bg2"/>
             </a:solidFill>
             <a:round/>
             <a:headEnd/>
@@ -9742,7 +9883,7 @@
         <p:spPr>
           <a:xfrm>
             <a:off x="884445" y="997802"/>
-            <a:ext cx="6172458" cy="769441"/>
+            <a:ext cx="3030197" cy="769441"/>
           </a:xfrm>
           <a:prstGeom prst="rect">
             <a:avLst/>
@@ -9759,7 +9900,7 @@
               <a:rPr lang="en-US" sz="4400" dirty="0" smtClean="0">
                 <a:latin typeface="+mj-lt"/>
               </a:rPr>
-              <a:t>gray edges: min weight</a:t>
+              <a:t>gray edges</a:t>
             </a:r>
           </a:p>
         </p:txBody>
@@ -9767,7 +9908,7 @@
     </p:spTree>
     <p:extLst>
       <p:ext uri="{BB962C8B-B14F-4D97-AF65-F5344CB8AC3E}">
-        <p14:creationId xmlns:p14="http://schemas.microsoft.com/office/powerpoint/2010/main" val="3481858589"/>
+        <p14:creationId xmlns:p14="http://schemas.microsoft.com/office/powerpoint/2010/main" val="774770028"/>
       </p:ext>
     </p:extLst>
   </p:cSld>
@@ -9867,6 +10008,915 @@
               <a:rPr lang="en-US" smtClean="0"/>
               <a:pPr/>
               <a:t>16</a:t>
+            </a:fld>
+            <a:endParaRPr lang="en-US" dirty="0"/>
+          </a:p>
+        </p:txBody>
+      </p:sp>
+      <p:sp>
+        <p:nvSpPr>
+          <p:cNvPr id="54" name="Oval 5"/>
+          <p:cNvSpPr>
+            <a:spLocks noChangeArrowheads="1"/>
+          </p:cNvSpPr>
+          <p:nvPr/>
+        </p:nvSpPr>
+        <p:spPr bwMode="auto">
+          <a:xfrm>
+            <a:off x="2842590" y="3278189"/>
+            <a:ext cx="276225" cy="276225"/>
+          </a:xfrm>
+          <a:prstGeom prst="ellipse">
+            <a:avLst/>
+          </a:prstGeom>
+          <a:solidFill>
+            <a:schemeClr val="tx2"/>
+          </a:solidFill>
+          <a:ln w="9525">
+            <a:solidFill>
+              <a:schemeClr val="tx1"/>
+            </a:solidFill>
+            <a:round/>
+            <a:headEnd/>
+            <a:tailEnd type="none" w="lg" len="lg"/>
+          </a:ln>
+        </p:spPr>
+        <p:txBody>
+          <a:bodyPr wrap="none" anchor="ctr"/>
+          <a:lstStyle/>
+          <a:p>
+            <a:endParaRPr lang="zh-CN" altLang="en-US">
+              <a:ea typeface="宋体" pitchFamily="2" charset="-122"/>
+            </a:endParaRPr>
+          </a:p>
+        </p:txBody>
+      </p:sp>
+      <p:sp>
+        <p:nvSpPr>
+          <p:cNvPr id="55" name="Oval 6"/>
+          <p:cNvSpPr>
+            <a:spLocks noChangeArrowheads="1"/>
+          </p:cNvSpPr>
+          <p:nvPr/>
+        </p:nvSpPr>
+        <p:spPr bwMode="auto">
+          <a:xfrm>
+            <a:off x="4483748" y="3278189"/>
+            <a:ext cx="276225" cy="276225"/>
+          </a:xfrm>
+          <a:prstGeom prst="ellipse">
+            <a:avLst/>
+          </a:prstGeom>
+          <a:solidFill>
+            <a:schemeClr val="tx2"/>
+          </a:solidFill>
+          <a:ln w="9525">
+            <a:solidFill>
+              <a:schemeClr val="tx1"/>
+            </a:solidFill>
+            <a:round/>
+            <a:headEnd/>
+            <a:tailEnd type="none" w="lg" len="lg"/>
+          </a:ln>
+        </p:spPr>
+        <p:txBody>
+          <a:bodyPr wrap="none" anchor="ctr"/>
+          <a:lstStyle/>
+          <a:p>
+            <a:endParaRPr lang="zh-CN" altLang="en-US">
+              <a:ea typeface="宋体" pitchFamily="2" charset="-122"/>
+            </a:endParaRPr>
+          </a:p>
+        </p:txBody>
+      </p:sp>
+      <p:sp>
+        <p:nvSpPr>
+          <p:cNvPr id="56" name="Oval 7"/>
+          <p:cNvSpPr>
+            <a:spLocks noChangeArrowheads="1"/>
+          </p:cNvSpPr>
+          <p:nvPr/>
+        </p:nvSpPr>
+        <p:spPr bwMode="auto">
+          <a:xfrm>
+            <a:off x="4479009" y="2042893"/>
+            <a:ext cx="276225" cy="276225"/>
+          </a:xfrm>
+          <a:prstGeom prst="ellipse">
+            <a:avLst/>
+          </a:prstGeom>
+          <a:solidFill>
+            <a:schemeClr val="tx2"/>
+          </a:solidFill>
+          <a:ln w="9525">
+            <a:solidFill>
+              <a:schemeClr val="tx1"/>
+            </a:solidFill>
+            <a:round/>
+            <a:headEnd/>
+            <a:tailEnd type="none" w="lg" len="lg"/>
+          </a:ln>
+        </p:spPr>
+        <p:txBody>
+          <a:bodyPr wrap="none" anchor="ctr"/>
+          <a:lstStyle/>
+          <a:p>
+            <a:endParaRPr lang="zh-CN" altLang="en-US">
+              <a:ea typeface="宋体" pitchFamily="2" charset="-122"/>
+            </a:endParaRPr>
+          </a:p>
+        </p:txBody>
+      </p:sp>
+      <p:sp>
+        <p:nvSpPr>
+          <p:cNvPr id="57" name="Oval 8"/>
+          <p:cNvSpPr>
+            <a:spLocks noChangeArrowheads="1"/>
+          </p:cNvSpPr>
+          <p:nvPr/>
+        </p:nvSpPr>
+        <p:spPr bwMode="auto">
+          <a:xfrm>
+            <a:off x="3712694" y="4506058"/>
+            <a:ext cx="276225" cy="276225"/>
+          </a:xfrm>
+          <a:prstGeom prst="ellipse">
+            <a:avLst/>
+          </a:prstGeom>
+          <a:solidFill>
+            <a:schemeClr val="tx2"/>
+          </a:solidFill>
+          <a:ln w="9525">
+            <a:solidFill>
+              <a:schemeClr val="tx1"/>
+            </a:solidFill>
+            <a:round/>
+            <a:headEnd/>
+            <a:tailEnd type="none" w="lg" len="lg"/>
+          </a:ln>
+        </p:spPr>
+        <p:txBody>
+          <a:bodyPr wrap="none" anchor="ctr"/>
+          <a:lstStyle/>
+          <a:p>
+            <a:endParaRPr lang="zh-CN" altLang="en-US">
+              <a:ea typeface="宋体" pitchFamily="2" charset="-122"/>
+            </a:endParaRPr>
+          </a:p>
+        </p:txBody>
+      </p:sp>
+      <p:sp>
+        <p:nvSpPr>
+          <p:cNvPr id="58" name="Oval 9"/>
+          <p:cNvSpPr>
+            <a:spLocks noChangeArrowheads="1"/>
+          </p:cNvSpPr>
+          <p:nvPr/>
+        </p:nvSpPr>
+        <p:spPr bwMode="auto">
+          <a:xfrm>
+            <a:off x="5995280" y="3278189"/>
+            <a:ext cx="277813" cy="276225"/>
+          </a:xfrm>
+          <a:prstGeom prst="ellipse">
+            <a:avLst/>
+          </a:prstGeom>
+          <a:solidFill>
+            <a:schemeClr val="accent3"/>
+          </a:solidFill>
+          <a:ln w="9525">
+            <a:solidFill>
+              <a:schemeClr val="tx1"/>
+            </a:solidFill>
+            <a:round/>
+            <a:headEnd/>
+            <a:tailEnd type="none" w="lg" len="lg"/>
+          </a:ln>
+        </p:spPr>
+        <p:txBody>
+          <a:bodyPr wrap="none" anchor="ctr"/>
+          <a:lstStyle/>
+          <a:p>
+            <a:endParaRPr lang="zh-CN" altLang="en-US">
+              <a:ea typeface="宋体" pitchFamily="2" charset="-122"/>
+            </a:endParaRPr>
+          </a:p>
+        </p:txBody>
+      </p:sp>
+      <p:sp>
+        <p:nvSpPr>
+          <p:cNvPr id="59" name="Oval 10"/>
+          <p:cNvSpPr>
+            <a:spLocks noChangeArrowheads="1"/>
+          </p:cNvSpPr>
+          <p:nvPr/>
+        </p:nvSpPr>
+        <p:spPr bwMode="auto">
+          <a:xfrm>
+            <a:off x="5116040" y="4506058"/>
+            <a:ext cx="276225" cy="276225"/>
+          </a:xfrm>
+          <a:prstGeom prst="ellipse">
+            <a:avLst/>
+          </a:prstGeom>
+          <a:solidFill>
+            <a:schemeClr val="accent3"/>
+          </a:solidFill>
+          <a:ln w="9525">
+            <a:solidFill>
+              <a:schemeClr val="tx1"/>
+            </a:solidFill>
+            <a:round/>
+            <a:headEnd/>
+            <a:tailEnd type="none" w="lg" len="lg"/>
+          </a:ln>
+        </p:spPr>
+        <p:txBody>
+          <a:bodyPr wrap="none" anchor="ctr"/>
+          <a:lstStyle/>
+          <a:p>
+            <a:endParaRPr lang="zh-CN" altLang="en-US">
+              <a:ea typeface="宋体" pitchFamily="2" charset="-122"/>
+            </a:endParaRPr>
+          </a:p>
+        </p:txBody>
+      </p:sp>
+      <p:cxnSp>
+        <p:nvCxnSpPr>
+          <p:cNvPr id="60" name="AutoShape 14"/>
+          <p:cNvCxnSpPr>
+            <a:cxnSpLocks noChangeShapeType="1"/>
+            <a:stCxn id="54" idx="6"/>
+            <a:endCxn id="55" idx="2"/>
+          </p:cNvCxnSpPr>
+          <p:nvPr/>
+        </p:nvCxnSpPr>
+        <p:spPr bwMode="auto">
+          <a:xfrm>
+            <a:off x="3118815" y="3416302"/>
+            <a:ext cx="1364933" cy="0"/>
+          </a:xfrm>
+          <a:prstGeom prst="straightConnector1">
+            <a:avLst/>
+          </a:prstGeom>
+          <a:noFill/>
+          <a:ln w="31750">
+            <a:solidFill>
+              <a:schemeClr val="tx1"/>
+            </a:solidFill>
+            <a:round/>
+            <a:headEnd/>
+            <a:tailEnd type="none" w="lg" len="lg"/>
+          </a:ln>
+        </p:spPr>
+      </p:cxnSp>
+      <p:cxnSp>
+        <p:nvCxnSpPr>
+          <p:cNvPr id="61" name="AutoShape 16"/>
+          <p:cNvCxnSpPr>
+            <a:cxnSpLocks noChangeShapeType="1"/>
+            <a:stCxn id="56" idx="3"/>
+          </p:cNvCxnSpPr>
+          <p:nvPr/>
+        </p:nvCxnSpPr>
+        <p:spPr bwMode="auto">
+          <a:xfrm flipH="1">
+            <a:off x="3080563" y="2278666"/>
+            <a:ext cx="1438898" cy="1030524"/>
+          </a:xfrm>
+          <a:prstGeom prst="straightConnector1">
+            <a:avLst/>
+          </a:prstGeom>
+          <a:noFill/>
+          <a:ln w="38100">
+            <a:solidFill>
+              <a:srgbClr val="FF00FF"/>
+            </a:solidFill>
+            <a:round/>
+            <a:headEnd/>
+            <a:tailEnd type="none" w="lg" len="lg"/>
+          </a:ln>
+        </p:spPr>
+      </p:cxnSp>
+      <p:cxnSp>
+        <p:nvCxnSpPr>
+          <p:cNvPr id="62" name="AutoShape 17"/>
+          <p:cNvCxnSpPr>
+            <a:cxnSpLocks noChangeShapeType="1"/>
+            <a:stCxn id="55" idx="4"/>
+            <a:endCxn id="57" idx="7"/>
+          </p:cNvCxnSpPr>
+          <p:nvPr/>
+        </p:nvCxnSpPr>
+        <p:spPr bwMode="auto">
+          <a:xfrm flipH="1">
+            <a:off x="3948467" y="3554414"/>
+            <a:ext cx="673394" cy="992096"/>
+          </a:xfrm>
+          <a:prstGeom prst="straightConnector1">
+            <a:avLst/>
+          </a:prstGeom>
+          <a:noFill/>
+          <a:ln w="31750">
+            <a:solidFill>
+              <a:schemeClr val="tx1"/>
+            </a:solidFill>
+            <a:round/>
+            <a:headEnd/>
+            <a:tailEnd type="none" w="lg" len="lg"/>
+          </a:ln>
+        </p:spPr>
+      </p:cxnSp>
+      <p:cxnSp>
+        <p:nvCxnSpPr>
+          <p:cNvPr id="63" name="AutoShape 18"/>
+          <p:cNvCxnSpPr>
+            <a:cxnSpLocks noChangeShapeType="1"/>
+            <a:stCxn id="57" idx="6"/>
+            <a:endCxn id="59" idx="2"/>
+          </p:cNvCxnSpPr>
+          <p:nvPr/>
+        </p:nvCxnSpPr>
+        <p:spPr bwMode="auto">
+          <a:xfrm>
+            <a:off x="3988919" y="4644171"/>
+            <a:ext cx="1127121" cy="0"/>
+          </a:xfrm>
+          <a:prstGeom prst="straightConnector1">
+            <a:avLst/>
+          </a:prstGeom>
+          <a:noFill/>
+          <a:ln w="69850">
+            <a:solidFill>
+              <a:schemeClr val="bg2"/>
+            </a:solidFill>
+            <a:round/>
+            <a:headEnd/>
+            <a:tailEnd type="none" w="lg" len="lg"/>
+          </a:ln>
+        </p:spPr>
+      </p:cxnSp>
+      <p:cxnSp>
+        <p:nvCxnSpPr>
+          <p:cNvPr id="64" name="AutoShape 19"/>
+          <p:cNvCxnSpPr>
+            <a:cxnSpLocks noChangeShapeType="1"/>
+            <a:stCxn id="59" idx="7"/>
+            <a:endCxn id="58" idx="4"/>
+          </p:cNvCxnSpPr>
+          <p:nvPr/>
+        </p:nvCxnSpPr>
+        <p:spPr bwMode="auto">
+          <a:xfrm flipV="1">
+            <a:off x="5351813" y="3554414"/>
+            <a:ext cx="782374" cy="992096"/>
+          </a:xfrm>
+          <a:prstGeom prst="straightConnector1">
+            <a:avLst/>
+          </a:prstGeom>
+          <a:noFill/>
+          <a:ln w="38100">
+            <a:solidFill>
+              <a:srgbClr val="FF00FF"/>
+            </a:solidFill>
+            <a:round/>
+            <a:headEnd/>
+            <a:tailEnd type="none" w="lg" len="lg"/>
+          </a:ln>
+        </p:spPr>
+      </p:cxnSp>
+      <p:cxnSp>
+        <p:nvCxnSpPr>
+          <p:cNvPr id="65" name="AutoShape 25"/>
+          <p:cNvCxnSpPr>
+            <a:cxnSpLocks noChangeShapeType="1"/>
+            <a:stCxn id="56" idx="5"/>
+            <a:endCxn id="58" idx="1"/>
+          </p:cNvCxnSpPr>
+          <p:nvPr/>
+        </p:nvCxnSpPr>
+        <p:spPr bwMode="auto">
+          <a:xfrm>
+            <a:off x="4714782" y="2278666"/>
+            <a:ext cx="1321183" cy="1039975"/>
+          </a:xfrm>
+          <a:prstGeom prst="straightConnector1">
+            <a:avLst/>
+          </a:prstGeom>
+          <a:noFill/>
+          <a:ln w="34925">
+            <a:solidFill>
+              <a:schemeClr val="tx2"/>
+            </a:solidFill>
+            <a:round/>
+            <a:headEnd/>
+            <a:tailEnd type="none" w="lg" len="lg"/>
+          </a:ln>
+        </p:spPr>
+      </p:cxnSp>
+      <p:cxnSp>
+        <p:nvCxnSpPr>
+          <p:cNvPr id="66" name="AutoShape 14"/>
+          <p:cNvCxnSpPr>
+            <a:cxnSpLocks noChangeShapeType="1"/>
+            <a:stCxn id="55" idx="6"/>
+            <a:endCxn id="58" idx="2"/>
+          </p:cNvCxnSpPr>
+          <p:nvPr/>
+        </p:nvCxnSpPr>
+        <p:spPr bwMode="auto">
+          <a:xfrm>
+            <a:off x="4759973" y="3416302"/>
+            <a:ext cx="1235307" cy="0"/>
+          </a:xfrm>
+          <a:prstGeom prst="straightConnector1">
+            <a:avLst/>
+          </a:prstGeom>
+          <a:noFill/>
+          <a:ln w="63500">
+            <a:solidFill>
+              <a:srgbClr val="FF00FF"/>
+            </a:solidFill>
+            <a:round/>
+            <a:headEnd/>
+            <a:tailEnd type="none" w="lg" len="lg"/>
+          </a:ln>
+        </p:spPr>
+      </p:cxnSp>
+      <p:cxnSp>
+        <p:nvCxnSpPr>
+          <p:cNvPr id="68" name="AutoShape 19"/>
+          <p:cNvCxnSpPr>
+            <a:cxnSpLocks noChangeShapeType="1"/>
+            <a:stCxn id="59" idx="1"/>
+            <a:endCxn id="55" idx="4"/>
+          </p:cNvCxnSpPr>
+          <p:nvPr/>
+        </p:nvCxnSpPr>
+        <p:spPr bwMode="auto">
+          <a:xfrm flipH="1" flipV="1">
+            <a:off x="4621861" y="3554414"/>
+            <a:ext cx="534631" cy="992096"/>
+          </a:xfrm>
+          <a:prstGeom prst="straightConnector1">
+            <a:avLst/>
+          </a:prstGeom>
+          <a:noFill/>
+          <a:ln w="31750">
+            <a:solidFill>
+              <a:schemeClr val="tx1"/>
+            </a:solidFill>
+            <a:round/>
+            <a:headEnd/>
+            <a:tailEnd type="none" w="lg" len="lg"/>
+          </a:ln>
+        </p:spPr>
+      </p:cxnSp>
+      <p:cxnSp>
+        <p:nvCxnSpPr>
+          <p:cNvPr id="69" name="AutoShape 19"/>
+          <p:cNvCxnSpPr>
+            <a:cxnSpLocks noChangeShapeType="1"/>
+            <a:stCxn id="57" idx="1"/>
+            <a:endCxn id="54" idx="5"/>
+          </p:cNvCxnSpPr>
+          <p:nvPr/>
+        </p:nvCxnSpPr>
+        <p:spPr bwMode="auto">
+          <a:xfrm flipH="1" flipV="1">
+            <a:off x="3078363" y="3513962"/>
+            <a:ext cx="674783" cy="1032548"/>
+          </a:xfrm>
+          <a:prstGeom prst="straightConnector1">
+            <a:avLst/>
+          </a:prstGeom>
+          <a:noFill/>
+          <a:ln w="31750">
+            <a:solidFill>
+              <a:schemeClr val="tx1"/>
+            </a:solidFill>
+            <a:round/>
+            <a:headEnd/>
+            <a:tailEnd type="none" w="lg" len="lg"/>
+          </a:ln>
+        </p:spPr>
+      </p:cxnSp>
+      <p:sp>
+        <p:nvSpPr>
+          <p:cNvPr id="70" name="TextBox 69"/>
+          <p:cNvSpPr txBox="1"/>
+          <p:nvPr/>
+        </p:nvSpPr>
+        <p:spPr>
+          <a:xfrm>
+            <a:off x="5365893" y="2366003"/>
+            <a:ext cx="403826" cy="523220"/>
+          </a:xfrm>
+          <a:prstGeom prst="rect">
+            <a:avLst/>
+          </a:prstGeom>
+          <a:noFill/>
+        </p:spPr>
+        <p:txBody>
+          <a:bodyPr wrap="none" rtlCol="0">
+            <a:spAutoFit/>
+          </a:bodyPr>
+          <a:lstStyle/>
+          <a:p>
+            <a:r>
+              <a:rPr lang="en-US" sz="2800" dirty="0" smtClean="0">
+                <a:latin typeface="+mj-lt"/>
+              </a:rPr>
+              <a:t>4</a:t>
+            </a:r>
+          </a:p>
+        </p:txBody>
+      </p:sp>
+      <p:sp>
+        <p:nvSpPr>
+          <p:cNvPr id="71" name="TextBox 70"/>
+          <p:cNvSpPr txBox="1"/>
+          <p:nvPr/>
+        </p:nvSpPr>
+        <p:spPr>
+          <a:xfrm>
+            <a:off x="3689089" y="2942448"/>
+            <a:ext cx="403826" cy="523220"/>
+          </a:xfrm>
+          <a:prstGeom prst="rect">
+            <a:avLst/>
+          </a:prstGeom>
+          <a:noFill/>
+        </p:spPr>
+        <p:txBody>
+          <a:bodyPr wrap="none" rtlCol="0">
+            <a:spAutoFit/>
+          </a:bodyPr>
+          <a:lstStyle/>
+          <a:p>
+            <a:r>
+              <a:rPr lang="en-US" sz="2800" dirty="0" smtClean="0">
+                <a:latin typeface="+mj-lt"/>
+              </a:rPr>
+              <a:t>4</a:t>
+            </a:r>
+          </a:p>
+        </p:txBody>
+      </p:sp>
+      <p:sp>
+        <p:nvSpPr>
+          <p:cNvPr id="72" name="TextBox 71"/>
+          <p:cNvSpPr txBox="1"/>
+          <p:nvPr/>
+        </p:nvSpPr>
+        <p:spPr>
+          <a:xfrm>
+            <a:off x="5163575" y="2926872"/>
+            <a:ext cx="346319" cy="523220"/>
+          </a:xfrm>
+          <a:prstGeom prst="rect">
+            <a:avLst/>
+          </a:prstGeom>
+          <a:noFill/>
+        </p:spPr>
+        <p:txBody>
+          <a:bodyPr wrap="none" rtlCol="0">
+            <a:spAutoFit/>
+          </a:bodyPr>
+          <a:lstStyle/>
+          <a:p>
+            <a:r>
+              <a:rPr lang="en-US" sz="2800" dirty="0" smtClean="0">
+                <a:latin typeface="+mj-lt"/>
+              </a:rPr>
+              <a:t>1</a:t>
+            </a:r>
+          </a:p>
+        </p:txBody>
+      </p:sp>
+      <p:sp>
+        <p:nvSpPr>
+          <p:cNvPr id="73" name="TextBox 72"/>
+          <p:cNvSpPr txBox="1"/>
+          <p:nvPr/>
+        </p:nvSpPr>
+        <p:spPr>
+          <a:xfrm>
+            <a:off x="3432483" y="2328207"/>
+            <a:ext cx="403826" cy="523220"/>
+          </a:xfrm>
+          <a:prstGeom prst="rect">
+            <a:avLst/>
+          </a:prstGeom>
+          <a:noFill/>
+        </p:spPr>
+        <p:txBody>
+          <a:bodyPr wrap="none" rtlCol="0">
+            <a:spAutoFit/>
+          </a:bodyPr>
+          <a:lstStyle/>
+          <a:p>
+            <a:r>
+              <a:rPr lang="en-US" sz="2800" dirty="0" smtClean="0">
+                <a:latin typeface="+mj-lt"/>
+              </a:rPr>
+              <a:t>3</a:t>
+            </a:r>
+          </a:p>
+        </p:txBody>
+      </p:sp>
+      <p:sp>
+        <p:nvSpPr>
+          <p:cNvPr id="74" name="TextBox 73"/>
+          <p:cNvSpPr txBox="1"/>
+          <p:nvPr/>
+        </p:nvSpPr>
+        <p:spPr>
+          <a:xfrm>
+            <a:off x="3069636" y="3908060"/>
+            <a:ext cx="403826" cy="523220"/>
+          </a:xfrm>
+          <a:prstGeom prst="rect">
+            <a:avLst/>
+          </a:prstGeom>
+          <a:noFill/>
+        </p:spPr>
+        <p:txBody>
+          <a:bodyPr wrap="none" rtlCol="0">
+            <a:spAutoFit/>
+          </a:bodyPr>
+          <a:lstStyle/>
+          <a:p>
+            <a:r>
+              <a:rPr lang="en-US" sz="2800" dirty="0" smtClean="0">
+                <a:latin typeface="+mj-lt"/>
+              </a:rPr>
+              <a:t>6</a:t>
+            </a:r>
+          </a:p>
+        </p:txBody>
+      </p:sp>
+      <p:sp>
+        <p:nvSpPr>
+          <p:cNvPr id="75" name="TextBox 74"/>
+          <p:cNvSpPr txBox="1"/>
+          <p:nvPr/>
+        </p:nvSpPr>
+        <p:spPr>
+          <a:xfrm>
+            <a:off x="3926217" y="3683162"/>
+            <a:ext cx="403826" cy="523220"/>
+          </a:xfrm>
+          <a:prstGeom prst="rect">
+            <a:avLst/>
+          </a:prstGeom>
+          <a:noFill/>
+        </p:spPr>
+        <p:txBody>
+          <a:bodyPr wrap="none" rtlCol="0">
+            <a:spAutoFit/>
+          </a:bodyPr>
+          <a:lstStyle/>
+          <a:p>
+            <a:r>
+              <a:rPr lang="en-US" sz="2800" dirty="0" smtClean="0">
+                <a:latin typeface="+mj-lt"/>
+              </a:rPr>
+              <a:t>9</a:t>
+            </a:r>
+          </a:p>
+        </p:txBody>
+      </p:sp>
+      <p:sp>
+        <p:nvSpPr>
+          <p:cNvPr id="76" name="TextBox 75"/>
+          <p:cNvSpPr txBox="1"/>
+          <p:nvPr/>
+        </p:nvSpPr>
+        <p:spPr>
+          <a:xfrm>
+            <a:off x="5722980" y="3885384"/>
+            <a:ext cx="403826" cy="523220"/>
+          </a:xfrm>
+          <a:prstGeom prst="rect">
+            <a:avLst/>
+          </a:prstGeom>
+          <a:noFill/>
+        </p:spPr>
+        <p:txBody>
+          <a:bodyPr wrap="none" rtlCol="0">
+            <a:spAutoFit/>
+          </a:bodyPr>
+          <a:lstStyle/>
+          <a:p>
+            <a:r>
+              <a:rPr lang="en-US" sz="2800" dirty="0">
+                <a:latin typeface="+mj-lt"/>
+              </a:rPr>
+              <a:t>2</a:t>
+            </a:r>
+            <a:endParaRPr lang="en-US" sz="2800" dirty="0" smtClean="0">
+              <a:latin typeface="+mj-lt"/>
+            </a:endParaRPr>
+          </a:p>
+        </p:txBody>
+      </p:sp>
+      <p:sp>
+        <p:nvSpPr>
+          <p:cNvPr id="77" name="TextBox 76"/>
+          <p:cNvSpPr txBox="1"/>
+          <p:nvPr/>
+        </p:nvSpPr>
+        <p:spPr>
+          <a:xfrm>
+            <a:off x="4432040" y="4188640"/>
+            <a:ext cx="346319" cy="523220"/>
+          </a:xfrm>
+          <a:prstGeom prst="rect">
+            <a:avLst/>
+          </a:prstGeom>
+          <a:noFill/>
+        </p:spPr>
+        <p:txBody>
+          <a:bodyPr wrap="none" rtlCol="0">
+            <a:spAutoFit/>
+          </a:bodyPr>
+          <a:lstStyle/>
+          <a:p>
+            <a:r>
+              <a:rPr lang="en-US" sz="2800" dirty="0" smtClean="0">
+                <a:latin typeface="+mj-lt"/>
+              </a:rPr>
+              <a:t>1</a:t>
+            </a:r>
+          </a:p>
+        </p:txBody>
+      </p:sp>
+      <p:sp>
+        <p:nvSpPr>
+          <p:cNvPr id="78" name="TextBox 77"/>
+          <p:cNvSpPr txBox="1"/>
+          <p:nvPr/>
+        </p:nvSpPr>
+        <p:spPr>
+          <a:xfrm>
+            <a:off x="4918161" y="3706639"/>
+            <a:ext cx="403826" cy="523220"/>
+          </a:xfrm>
+          <a:prstGeom prst="rect">
+            <a:avLst/>
+          </a:prstGeom>
+          <a:noFill/>
+        </p:spPr>
+        <p:txBody>
+          <a:bodyPr wrap="none" rtlCol="0">
+            <a:spAutoFit/>
+          </a:bodyPr>
+          <a:lstStyle/>
+          <a:p>
+            <a:r>
+              <a:rPr lang="en-US" sz="2800" dirty="0" smtClean="0">
+                <a:latin typeface="+mj-lt"/>
+              </a:rPr>
+              <a:t>7</a:t>
+            </a:r>
+          </a:p>
+        </p:txBody>
+      </p:sp>
+      <p:sp>
+        <p:nvSpPr>
+          <p:cNvPr id="31" name="TextBox 30"/>
+          <p:cNvSpPr txBox="1"/>
+          <p:nvPr/>
+        </p:nvSpPr>
+        <p:spPr>
+          <a:xfrm>
+            <a:off x="884445" y="997802"/>
+            <a:ext cx="6172458" cy="769441"/>
+          </a:xfrm>
+          <a:prstGeom prst="rect">
+            <a:avLst/>
+          </a:prstGeom>
+          <a:noFill/>
+        </p:spPr>
+        <p:txBody>
+          <a:bodyPr wrap="none" rtlCol="0">
+            <a:spAutoFit/>
+          </a:bodyPr>
+          <a:lstStyle/>
+          <a:p>
+            <a:r>
+              <a:rPr lang="en-US" sz="4400" dirty="0" smtClean="0">
+                <a:latin typeface="+mj-lt"/>
+              </a:rPr>
+              <a:t>gray edges: min weight</a:t>
+            </a:r>
+          </a:p>
+        </p:txBody>
+      </p:sp>
+    </p:spTree>
+    <p:extLst>
+      <p:ext uri="{BB962C8B-B14F-4D97-AF65-F5344CB8AC3E}">
+        <p14:creationId xmlns:p14="http://schemas.microsoft.com/office/powerpoint/2010/main" val="3481858589"/>
+      </p:ext>
+    </p:extLst>
+  </p:cSld>
+  <p:clrMapOvr>
+    <a:masterClrMapping/>
+  </p:clrMapOvr>
+  <mc:AlternateContent xmlns:mc="http://schemas.openxmlformats.org/markup-compatibility/2006" xmlns:p14="http://schemas.microsoft.com/office/powerpoint/2010/main">
+    <mc:Choice Requires="p14">
+      <p:transition spd="med" p14:dur="700">
+        <p:fade/>
+      </p:transition>
+    </mc:Choice>
+    <mc:Fallback xmlns="">
+      <p:transition xmlns:p14="http://schemas.microsoft.com/office/powerpoint/2010/main" spd="med">
+        <p:fade/>
+      </p:transition>
+    </mc:Fallback>
+  </mc:AlternateContent>
+  <p:timing>
+    <p:tnLst>
+      <p:par>
+        <p:cTn xmlns:p14="http://schemas.microsoft.com/office/powerpoint/2010/main" id="1" dur="indefinite" restart="never" nodeType="tmRoot"/>
+      </p:par>
+    </p:tnLst>
+  </p:timing>
+</p:sld>
+</file>
+
+<file path=ppt/slides/slide17.xml><?xml version="1.0" encoding="utf-8"?>
+<p:sld xmlns:a="http://schemas.openxmlformats.org/drawingml/2006/main" xmlns:r="http://schemas.openxmlformats.org/officeDocument/2006/relationships" xmlns:p="http://schemas.openxmlformats.org/presentationml/2006/main">
+  <p:cSld>
+    <p:spTree>
+      <p:nvGrpSpPr>
+        <p:cNvPr id="1" name=""/>
+        <p:cNvGrpSpPr/>
+        <p:nvPr/>
+      </p:nvGrpSpPr>
+      <p:grpSpPr>
+        <a:xfrm>
+          <a:off x="0" y="0"/>
+          <a:ext cx="0" cy="0"/>
+          <a:chOff x="0" y="0"/>
+          <a:chExt cx="0" cy="0"/>
+        </a:xfrm>
+      </p:grpSpPr>
+      <p:sp>
+        <p:nvSpPr>
+          <p:cNvPr id="66562" name="Rectangle 2"/>
+          <p:cNvSpPr>
+            <a:spLocks noGrp="1" noChangeArrowheads="1"/>
+          </p:cNvSpPr>
+          <p:nvPr>
+            <p:ph type="title"/>
+          </p:nvPr>
+        </p:nvSpPr>
+        <p:spPr/>
+        <p:txBody>
+          <a:bodyPr/>
+          <a:lstStyle/>
+          <a:p>
+            <a:pPr eaLnBrk="1" hangingPunct="1"/>
+            <a:r>
+              <a:rPr lang="en-US" altLang="zh-CN" dirty="0" smtClean="0">
+                <a:ea typeface="宋体" pitchFamily="2" charset="-122"/>
+              </a:rPr>
+              <a:t>Minimum Spanning Trees</a:t>
+            </a:r>
+          </a:p>
+        </p:txBody>
+      </p:sp>
+      <p:sp>
+        <p:nvSpPr>
+          <p:cNvPr id="66565" name="Rectangle 11"/>
+          <p:cNvSpPr>
+            <a:spLocks noGrp="1" noChangeArrowheads="1"/>
+          </p:cNvSpPr>
+          <p:nvPr>
+            <p:ph type="sldNum" sz="quarter" idx="10"/>
+          </p:nvPr>
+        </p:nvSpPr>
+        <p:spPr>
+          <a:noFill/>
+        </p:spPr>
+        <p:txBody>
+          <a:bodyPr/>
+          <a:lstStyle/>
+          <a:p>
+            <a:r>
+              <a:rPr lang="en-US" dirty="0" err="1" smtClean="0"/>
+              <a:t>mintree</a:t>
+            </a:r>
+            <a:r>
+              <a:rPr lang="en-US" dirty="0" smtClean="0"/>
+              <a:t>.</a:t>
+            </a:r>
+            <a:fld id="{D3A2648A-3D07-4686-9397-220DF4B6A18C}" type="slidenum">
+              <a:rPr lang="en-US" smtClean="0"/>
+              <a:pPr/>
+              <a:t>17</a:t>
             </a:fld>
             <a:endParaRPr lang="en-US" dirty="0"/>
           </a:p>
@@ -10784,7 +11834,7 @@
 </p:sld>
 </file>
 
-<file path=ppt/slides/slide17.xml><?xml version="1.0" encoding="utf-8"?>
+<file path=ppt/slides/slide18.xml><?xml version="1.0" encoding="utf-8"?>
 <p:sld xmlns:a="http://schemas.openxmlformats.org/drawingml/2006/main" xmlns:r="http://schemas.openxmlformats.org/officeDocument/2006/relationships" xmlns:p="http://schemas.openxmlformats.org/presentationml/2006/main">
   <p:cSld>
     <p:spTree>
@@ -10854,7 +11904,7 @@
             <a:fld id="{D3A2648A-3D07-4686-9397-220DF4B6A18C}" type="slidenum">
               <a:rPr lang="en-US" smtClean="0"/>
               <a:pPr/>
-              <a:t>17</a:t>
+              <a:t>18</a:t>
             </a:fld>
             <a:endParaRPr lang="en-US" dirty="0"/>
           </a:p>
@@ -11718,7 +12768,7 @@
 </p:sld>
 </file>
 
-<file path=ppt/slides/slide18.xml><?xml version="1.0" encoding="utf-8"?>
+<file path=ppt/slides/slide19.xml><?xml version="1.0" encoding="utf-8"?>
 <p:sld xmlns:a="http://schemas.openxmlformats.org/drawingml/2006/main" xmlns:r="http://schemas.openxmlformats.org/officeDocument/2006/relationships" xmlns:p="http://schemas.openxmlformats.org/presentationml/2006/main">
   <p:cSld>
     <p:spTree>
@@ -11854,7 +12904,7 @@
               <a:pPr>
                 <a:defRPr/>
               </a:pPr>
-              <a:t>18</a:t>
+              <a:t>19</a:t>
             </a:fld>
             <a:endParaRPr lang="en-US" dirty="0"/>
           </a:p>

--- a/fall15/slidesF15/trees-minimum.pptx
+++ b/fall15/slidesF15/trees-minimum.pptx
@@ -5230,17 +5230,8 @@
               <a:rPr lang="en-US" sz="4400" dirty="0" smtClean="0">
                 <a:latin typeface="+mj-lt"/>
               </a:rPr>
-              <a:t>from </a:t>
-            </a:r>
-            <a:r>
-              <a:rPr lang="en-US" sz="4400" dirty="0" smtClean="0">
-                <a:latin typeface="+mj-lt"/>
-              </a:rPr>
-              <a:t>previously selected</a:t>
-            </a:r>
-            <a:endParaRPr lang="en-US" sz="4400" dirty="0" smtClean="0">
-              <a:latin typeface="+mj-lt"/>
-            </a:endParaRPr>
+              <a:t>from previously selected</a:t>
+            </a:r>
           </a:p>
         </p:txBody>
       </p:sp>
@@ -8996,6 +8987,229 @@
           </a:p>
         </p:txBody>
       </p:sp>
+      <p:sp>
+        <p:nvSpPr>
+          <p:cNvPr id="29" name="Oval 28"/>
+          <p:cNvSpPr/>
+          <p:nvPr/>
+        </p:nvSpPr>
+        <p:spPr bwMode="auto">
+          <a:xfrm rot="1975289">
+            <a:off x="5183106" y="2942464"/>
+            <a:ext cx="1104766" cy="2292022"/>
+          </a:xfrm>
+          <a:prstGeom prst="ellipse">
+            <a:avLst/>
+          </a:prstGeom>
+          <a:noFill/>
+          <a:ln w="38100" cap="flat" cmpd="sng" algn="ctr">
+            <a:solidFill>
+              <a:schemeClr val="accent1">
+                <a:lumMod val="50000"/>
+              </a:schemeClr>
+            </a:solidFill>
+            <a:prstDash val="sysDash"/>
+            <a:round/>
+            <a:headEnd type="none" w="med" len="med"/>
+            <a:tailEnd type="stealth" w="lg" len="lg"/>
+          </a:ln>
+          <a:effectLst/>
+        </p:spPr>
+        <p:txBody>
+          <a:bodyPr vert="horz" wrap="square" lIns="91440" tIns="45720" rIns="91440" bIns="45720" numCol="1" rtlCol="0" anchor="t" anchorCtr="0" compatLnSpc="1">
+            <a:prstTxWarp prst="textNoShape">
+              <a:avLst/>
+            </a:prstTxWarp>
+          </a:bodyPr>
+          <a:lstStyle/>
+          <a:p>
+            <a:pPr marL="0" marR="0" indent="0" algn="l" defTabSz="914400" rtl="0" eaLnBrk="1" fontAlgn="base" latinLnBrk="0" hangingPunct="1">
+              <a:lnSpc>
+                <a:spcPct val="100000"/>
+              </a:lnSpc>
+              <a:spcBef>
+                <a:spcPct val="0"/>
+              </a:spcBef>
+              <a:spcAft>
+                <a:spcPct val="0"/>
+              </a:spcAft>
+              <a:buClrTx/>
+              <a:buSzTx/>
+              <a:buFontTx/>
+              <a:buNone/>
+              <a:tabLst/>
+            </a:pPr>
+            <a:endParaRPr kumimoji="0" lang="en-US" sz="4000" b="0" i="0" u="none" strike="noStrike" cap="none" normalizeH="0" baseline="0" smtClean="0">
+              <a:ln>
+                <a:noFill/>
+              </a:ln>
+              <a:solidFill>
+                <a:schemeClr val="tx1"/>
+              </a:solidFill>
+              <a:effectLst/>
+              <a:latin typeface="Arial" pitchFamily="34" charset="0"/>
+            </a:endParaRPr>
+          </a:p>
+        </p:txBody>
+      </p:sp>
+      <p:sp>
+        <p:nvSpPr>
+          <p:cNvPr id="2" name="TextBox 1"/>
+          <p:cNvSpPr txBox="1"/>
+          <p:nvPr/>
+        </p:nvSpPr>
+        <p:spPr>
+          <a:xfrm>
+            <a:off x="5997199" y="3952897"/>
+            <a:ext cx="2213066" cy="1077218"/>
+          </a:xfrm>
+          <a:prstGeom prst="rect">
+            <a:avLst/>
+          </a:prstGeom>
+          <a:noFill/>
+        </p:spPr>
+        <p:txBody>
+          <a:bodyPr wrap="none" rtlCol="0">
+            <a:spAutoFit/>
+          </a:bodyPr>
+          <a:lstStyle/>
+          <a:p>
+            <a:pPr algn="ctr"/>
+            <a:r>
+              <a:rPr lang="en-US" sz="3200" dirty="0" smtClean="0">
+                <a:solidFill>
+                  <a:srgbClr val="FFFFFF"/>
+                </a:solidFill>
+                <a:latin typeface="+mj-lt"/>
+              </a:rPr>
+              <a:t>white</a:t>
+            </a:r>
+          </a:p>
+          <a:p>
+            <a:pPr algn="ctr"/>
+            <a:r>
+              <a:rPr lang="en-US" sz="3200" dirty="0" smtClean="0">
+                <a:solidFill>
+                  <a:schemeClr val="accent1">
+                    <a:lumMod val="50000"/>
+                  </a:schemeClr>
+                </a:solidFill>
+                <a:latin typeface="+mj-lt"/>
+              </a:rPr>
+              <a:t>component</a:t>
+            </a:r>
+          </a:p>
+        </p:txBody>
+      </p:sp>
+      <p:sp>
+        <p:nvSpPr>
+          <p:cNvPr id="33" name="Oval 32"/>
+          <p:cNvSpPr/>
+          <p:nvPr/>
+        </p:nvSpPr>
+        <p:spPr bwMode="auto">
+          <a:xfrm rot="3274484">
+            <a:off x="3207254" y="1501352"/>
+            <a:ext cx="1104766" cy="2494633"/>
+          </a:xfrm>
+          <a:prstGeom prst="ellipse">
+            <a:avLst/>
+          </a:prstGeom>
+          <a:noFill/>
+          <a:ln w="38100" cap="flat" cmpd="sng" algn="ctr">
+            <a:solidFill>
+              <a:schemeClr val="accent1">
+                <a:lumMod val="50000"/>
+              </a:schemeClr>
+            </a:solidFill>
+            <a:prstDash val="sysDash"/>
+            <a:round/>
+            <a:headEnd type="none" w="med" len="med"/>
+            <a:tailEnd type="stealth" w="lg" len="lg"/>
+          </a:ln>
+          <a:effectLst/>
+        </p:spPr>
+        <p:txBody>
+          <a:bodyPr vert="horz" wrap="square" lIns="91440" tIns="45720" rIns="91440" bIns="45720" numCol="1" rtlCol="0" anchor="t" anchorCtr="0" compatLnSpc="1">
+            <a:prstTxWarp prst="textNoShape">
+              <a:avLst/>
+            </a:prstTxWarp>
+          </a:bodyPr>
+          <a:lstStyle/>
+          <a:p>
+            <a:pPr marL="0" marR="0" indent="0" algn="l" defTabSz="914400" rtl="0" eaLnBrk="1" fontAlgn="base" latinLnBrk="0" hangingPunct="1">
+              <a:lnSpc>
+                <a:spcPct val="100000"/>
+              </a:lnSpc>
+              <a:spcBef>
+                <a:spcPct val="0"/>
+              </a:spcBef>
+              <a:spcAft>
+                <a:spcPct val="0"/>
+              </a:spcAft>
+              <a:buClrTx/>
+              <a:buSzTx/>
+              <a:buFontTx/>
+              <a:buNone/>
+              <a:tabLst/>
+            </a:pPr>
+            <a:endParaRPr kumimoji="0" lang="en-US" sz="4000" b="0" i="0" u="none" strike="noStrike" cap="none" normalizeH="0" baseline="0" smtClean="0">
+              <a:ln>
+                <a:noFill/>
+              </a:ln>
+              <a:solidFill>
+                <a:schemeClr val="tx1"/>
+              </a:solidFill>
+              <a:effectLst/>
+              <a:latin typeface="Arial" pitchFamily="34" charset="0"/>
+            </a:endParaRPr>
+          </a:p>
+        </p:txBody>
+      </p:sp>
+      <p:sp>
+        <p:nvSpPr>
+          <p:cNvPr id="34" name="TextBox 33"/>
+          <p:cNvSpPr txBox="1"/>
+          <p:nvPr/>
+        </p:nvSpPr>
+        <p:spPr>
+          <a:xfrm>
+            <a:off x="929520" y="3164237"/>
+            <a:ext cx="2213066" cy="1077218"/>
+          </a:xfrm>
+          <a:prstGeom prst="rect">
+            <a:avLst/>
+          </a:prstGeom>
+          <a:noFill/>
+        </p:spPr>
+        <p:txBody>
+          <a:bodyPr wrap="none" rtlCol="0">
+            <a:spAutoFit/>
+          </a:bodyPr>
+          <a:lstStyle/>
+          <a:p>
+            <a:pPr algn="ctr"/>
+            <a:r>
+              <a:rPr lang="en-US" sz="3200" dirty="0" smtClean="0">
+                <a:latin typeface="+mj-lt"/>
+              </a:rPr>
+              <a:t>black</a:t>
+            </a:r>
+          </a:p>
+          <a:p>
+            <a:pPr algn="ctr"/>
+            <a:r>
+              <a:rPr lang="en-US" sz="3200" dirty="0" smtClean="0">
+                <a:solidFill>
+                  <a:srgbClr val="0000E5"/>
+                </a:solidFill>
+                <a:latin typeface="+mj-lt"/>
+              </a:rPr>
+              <a:t>component</a:t>
+            </a:r>
+          </a:p>
+        </p:txBody>
+      </p:sp>
     </p:spTree>
     <p:extLst>
       <p:ext uri="{BB962C8B-B14F-4D97-AF65-F5344CB8AC3E}">
@@ -9021,9 +9235,217 @@
   <p:timing>
     <p:tnLst>
       <p:par>
-        <p:cTn xmlns:p14="http://schemas.microsoft.com/office/powerpoint/2010/main" id="1" dur="indefinite" restart="never" nodeType="tmRoot"/>
+        <p:cTn xmlns:p14="http://schemas.microsoft.com/office/powerpoint/2010/main" id="1" dur="indefinite" restart="never" nodeType="tmRoot">
+          <p:childTnLst>
+            <p:seq concurrent="1" nextAc="seek">
+              <p:cTn id="2" dur="indefinite" nodeType="mainSeq">
+                <p:childTnLst>
+                  <p:par>
+                    <p:cTn id="3" fill="hold">
+                      <p:stCondLst>
+                        <p:cond delay="indefinite"/>
+                        <p:cond evt="onBegin" delay="0">
+                          <p:tn val="2"/>
+                        </p:cond>
+                      </p:stCondLst>
+                      <p:childTnLst>
+                        <p:par>
+                          <p:cTn id="4" fill="hold">
+                            <p:stCondLst>
+                              <p:cond delay="0"/>
+                            </p:stCondLst>
+                            <p:childTnLst>
+                              <p:par>
+                                <p:cTn id="5" presetID="22" presetClass="entr" presetSubtype="2" fill="hold" grpId="0" nodeType="afterEffect">
+                                  <p:stCondLst>
+                                    <p:cond delay="0"/>
+                                  </p:stCondLst>
+                                  <p:childTnLst>
+                                    <p:set>
+                                      <p:cBhvr>
+                                        <p:cTn id="6" dur="1" fill="hold">
+                                          <p:stCondLst>
+                                            <p:cond delay="0"/>
+                                          </p:stCondLst>
+                                        </p:cTn>
+                                        <p:tgtEl>
+                                          <p:spTgt spid="29"/>
+                                        </p:tgtEl>
+                                        <p:attrNameLst>
+                                          <p:attrName>style.visibility</p:attrName>
+                                        </p:attrNameLst>
+                                      </p:cBhvr>
+                                      <p:to>
+                                        <p:strVal val="visible"/>
+                                      </p:to>
+                                    </p:set>
+                                    <p:animEffect transition="in" filter="wipe(right)">
+                                      <p:cBhvr>
+                                        <p:cTn id="7" dur="1000"/>
+                                        <p:tgtEl>
+                                          <p:spTgt spid="29"/>
+                                        </p:tgtEl>
+                                      </p:cBhvr>
+                                    </p:animEffect>
+                                  </p:childTnLst>
+                                </p:cTn>
+                              </p:par>
+                              <p:par>
+                                <p:cTn id="8" presetID="10" presetClass="entr" presetSubtype="0" fill="hold" grpId="0" nodeType="withEffect">
+                                  <p:stCondLst>
+                                    <p:cond delay="0"/>
+                                  </p:stCondLst>
+                                  <p:childTnLst>
+                                    <p:set>
+                                      <p:cBhvr>
+                                        <p:cTn id="9" dur="1" fill="hold">
+                                          <p:stCondLst>
+                                            <p:cond delay="0"/>
+                                          </p:stCondLst>
+                                        </p:cTn>
+                                        <p:tgtEl>
+                                          <p:spTgt spid="2"/>
+                                        </p:tgtEl>
+                                        <p:attrNameLst>
+                                          <p:attrName>style.visibility</p:attrName>
+                                        </p:attrNameLst>
+                                      </p:cBhvr>
+                                      <p:to>
+                                        <p:strVal val="visible"/>
+                                      </p:to>
+                                    </p:set>
+                                    <p:animEffect transition="in" filter="fade">
+                                      <p:cBhvr>
+                                        <p:cTn id="10" dur="500"/>
+                                        <p:tgtEl>
+                                          <p:spTgt spid="2"/>
+                                        </p:tgtEl>
+                                      </p:cBhvr>
+                                    </p:animEffect>
+                                  </p:childTnLst>
+                                </p:cTn>
+                              </p:par>
+                            </p:childTnLst>
+                          </p:cTn>
+                        </p:par>
+                      </p:childTnLst>
+                    </p:cTn>
+                  </p:par>
+                  <p:par>
+                    <p:cTn id="11" fill="hold">
+                      <p:stCondLst>
+                        <p:cond delay="indefinite"/>
+                      </p:stCondLst>
+                      <p:childTnLst>
+                        <p:par>
+                          <p:cTn id="12" fill="hold">
+                            <p:stCondLst>
+                              <p:cond delay="0"/>
+                            </p:stCondLst>
+                            <p:childTnLst>
+                              <p:par>
+                                <p:cTn id="13" presetID="22" presetClass="entr" presetSubtype="2" fill="hold" grpId="0" nodeType="clickEffect">
+                                  <p:stCondLst>
+                                    <p:cond delay="0"/>
+                                  </p:stCondLst>
+                                  <p:childTnLst>
+                                    <p:set>
+                                      <p:cBhvr>
+                                        <p:cTn id="14" dur="1" fill="hold">
+                                          <p:stCondLst>
+                                            <p:cond delay="0"/>
+                                          </p:stCondLst>
+                                        </p:cTn>
+                                        <p:tgtEl>
+                                          <p:spTgt spid="33"/>
+                                        </p:tgtEl>
+                                        <p:attrNameLst>
+                                          <p:attrName>style.visibility</p:attrName>
+                                        </p:attrNameLst>
+                                      </p:cBhvr>
+                                      <p:to>
+                                        <p:strVal val="visible"/>
+                                      </p:to>
+                                    </p:set>
+                                    <p:animEffect transition="in" filter="wipe(right)">
+                                      <p:cBhvr>
+                                        <p:cTn id="15" dur="1000"/>
+                                        <p:tgtEl>
+                                          <p:spTgt spid="33"/>
+                                        </p:tgtEl>
+                                      </p:cBhvr>
+                                    </p:animEffect>
+                                  </p:childTnLst>
+                                </p:cTn>
+                              </p:par>
+                              <p:par>
+                                <p:cTn id="16" presetID="10" presetClass="entr" presetSubtype="0" fill="hold" grpId="0" nodeType="withEffect">
+                                  <p:stCondLst>
+                                    <p:cond delay="0"/>
+                                  </p:stCondLst>
+                                  <p:childTnLst>
+                                    <p:set>
+                                      <p:cBhvr>
+                                        <p:cTn id="17" dur="1" fill="hold">
+                                          <p:stCondLst>
+                                            <p:cond delay="0"/>
+                                          </p:stCondLst>
+                                        </p:cTn>
+                                        <p:tgtEl>
+                                          <p:spTgt spid="34"/>
+                                        </p:tgtEl>
+                                        <p:attrNameLst>
+                                          <p:attrName>style.visibility</p:attrName>
+                                        </p:attrNameLst>
+                                      </p:cBhvr>
+                                      <p:to>
+                                        <p:strVal val="visible"/>
+                                      </p:to>
+                                    </p:set>
+                                    <p:animEffect transition="in" filter="fade">
+                                      <p:cBhvr>
+                                        <p:cTn id="18" dur="500"/>
+                                        <p:tgtEl>
+                                          <p:spTgt spid="34"/>
+                                        </p:tgtEl>
+                                      </p:cBhvr>
+                                    </p:animEffect>
+                                  </p:childTnLst>
+                                </p:cTn>
+                              </p:par>
+                            </p:childTnLst>
+                          </p:cTn>
+                        </p:par>
+                      </p:childTnLst>
+                    </p:cTn>
+                  </p:par>
+                </p:childTnLst>
+              </p:cTn>
+              <p:prevCondLst>
+                <p:cond evt="onPrev" delay="0">
+                  <p:tgtEl>
+                    <p:sldTgt/>
+                  </p:tgtEl>
+                </p:cond>
+              </p:prevCondLst>
+              <p:nextCondLst>
+                <p:cond evt="onNext" delay="0">
+                  <p:tgtEl>
+                    <p:sldTgt/>
+                  </p:tgtEl>
+                </p:cond>
+              </p:nextCondLst>
+            </p:seq>
+          </p:childTnLst>
+        </p:cTn>
       </p:par>
     </p:tnLst>
+    <p:bldLst>
+      <p:bldP spid="29" grpId="0" animBg="1"/>
+      <p:bldP spid="2" grpId="0"/>
+      <p:bldP spid="33" grpId="0" animBg="1"/>
+      <p:bldP spid="34" grpId="0"/>
+    </p:bldLst>
   </p:timing>
 </p:sld>
 </file>
@@ -10847,7 +11269,7 @@
 </file>
 
 <file path=ppt/slides/slide17.xml><?xml version="1.0" encoding="utf-8"?>
-<p:sld xmlns:a="http://schemas.openxmlformats.org/drawingml/2006/main" xmlns:r="http://schemas.openxmlformats.org/officeDocument/2006/relationships" xmlns:p="http://schemas.openxmlformats.org/presentationml/2006/main">
+<p:sld xmlns:a="http://schemas.openxmlformats.org/drawingml/2006/main" xmlns:r="http://schemas.openxmlformats.org/officeDocument/2006/relationships" xmlns:p="http://schemas.openxmlformats.org/presentationml/2006/main" show="0">
   <p:cSld>
     <p:spTree>
       <p:nvGrpSpPr>
@@ -11733,13 +12155,13 @@
   <p:clrMapOvr>
     <a:masterClrMapping/>
   </p:clrMapOvr>
-  <mc:AlternateContent xmlns:mc="http://schemas.openxmlformats.org/markup-compatibility/2006" xmlns:p14="http://schemas.microsoft.com/office/powerpoint/2010/main">
-    <mc:Choice Requires="p14">
+  <mc:AlternateContent xmlns:mc="http://schemas.openxmlformats.org/markup-compatibility/2006">
+    <mc:Choice xmlns:p14="http://schemas.microsoft.com/office/powerpoint/2010/main" Requires="p14">
       <p:transition spd="med" p14:dur="700">
         <p:fade/>
       </p:transition>
     </mc:Choice>
-    <mc:Fallback xmlns="">
+    <mc:Fallback>
       <p:transition xmlns:p14="http://schemas.microsoft.com/office/powerpoint/2010/main" spd="med">
         <p:fade/>
       </p:transition>
@@ -11748,88 +12170,9 @@
   <p:timing>
     <p:tnLst>
       <p:par>
-        <p:cTn xmlns:p14="http://schemas.microsoft.com/office/powerpoint/2010/main" id="1" dur="indefinite" restart="never" nodeType="tmRoot">
-          <p:childTnLst>
-            <p:seq concurrent="1" nextAc="seek">
-              <p:cTn id="2" dur="indefinite" nodeType="mainSeq">
-                <p:childTnLst>
-                  <p:par>
-                    <p:cTn id="3" fill="hold">
-                      <p:stCondLst>
-                        <p:cond delay="indefinite"/>
-                      </p:stCondLst>
-                      <p:childTnLst>
-                        <p:par>
-                          <p:cTn id="4" fill="hold">
-                            <p:stCondLst>
-                              <p:cond delay="0"/>
-                            </p:stCondLst>
-                            <p:childTnLst>
-                              <p:par>
-                                <p:cTn id="5" presetID="10" presetClass="entr" presetSubtype="0" fill="hold" grpId="0" nodeType="clickEffect">
-                                  <p:stCondLst>
-                                    <p:cond delay="0"/>
-                                  </p:stCondLst>
-                                  <p:childTnLst>
-                                    <p:set>
-                                      <p:cBhvr>
-                                        <p:cTn id="6" dur="1" fill="hold">
-                                          <p:stCondLst>
-                                            <p:cond delay="0"/>
-                                          </p:stCondLst>
-                                        </p:cTn>
-                                        <p:tgtEl>
-                                          <p:spTgt spid="31"/>
-                                        </p:tgtEl>
-                                        <p:attrNameLst>
-                                          <p:attrName>style.visibility</p:attrName>
-                                        </p:attrNameLst>
-                                      </p:cBhvr>
-                                      <p:to>
-                                        <p:strVal val="visible"/>
-                                      </p:to>
-                                    </p:set>
-                                    <p:animEffect transition="in" filter="fade">
-                                      <p:cBhvr>
-                                        <p:cTn id="7" dur="500"/>
-                                        <p:tgtEl>
-                                          <p:spTgt spid="31"/>
-                                        </p:tgtEl>
-                                      </p:cBhvr>
-                                    </p:animEffect>
-                                  </p:childTnLst>
-                                </p:cTn>
-                              </p:par>
-                            </p:childTnLst>
-                          </p:cTn>
-                        </p:par>
-                      </p:childTnLst>
-                    </p:cTn>
-                  </p:par>
-                </p:childTnLst>
-              </p:cTn>
-              <p:prevCondLst>
-                <p:cond evt="onPrev" delay="0">
-                  <p:tgtEl>
-                    <p:sldTgt/>
-                  </p:tgtEl>
-                </p:cond>
-              </p:prevCondLst>
-              <p:nextCondLst>
-                <p:cond evt="onNext" delay="0">
-                  <p:tgtEl>
-                    <p:sldTgt/>
-                  </p:tgtEl>
-                </p:cond>
-              </p:nextCondLst>
-            </p:seq>
-          </p:childTnLst>
-        </p:cTn>
+        <p:cTn xmlns:p14="http://schemas.microsoft.com/office/powerpoint/2010/main" id="1" dur="indefinite" restart="never" nodeType="tmRoot"/>
       </p:par>
     </p:tnLst>
-    <p:bldLst>
-      <p:bldP spid="31" grpId="0"/>
-    </p:bldLst>
   </p:timing>
 </p:sld>
 </file>
@@ -12746,18 +13089,9 @@
   <p:clrMapOvr>
     <a:masterClrMapping/>
   </p:clrMapOvr>
-  <mc:AlternateContent xmlns:mc="http://schemas.openxmlformats.org/markup-compatibility/2006" xmlns:p14="http://schemas.microsoft.com/office/powerpoint/2010/main">
-    <mc:Choice Requires="p14">
-      <p:transition spd="med" p14:dur="700">
-        <p:fade/>
-      </p:transition>
-    </mc:Choice>
-    <mc:Fallback xmlns="">
-      <p:transition xmlns:p14="http://schemas.microsoft.com/office/powerpoint/2010/main" spd="med">
-        <p:fade/>
-      </p:transition>
-    </mc:Fallback>
-  </mc:AlternateContent>
+  <p:transition xmlns:p14="http://schemas.microsoft.com/office/powerpoint/2010/main" spd="slow" advClick="0">
+    <p:fade thruBlk="1"/>
+  </p:transition>
   <p:timing>
     <p:tnLst>
       <p:par>
@@ -20237,6 +20571,14 @@
           <a:lstStyle/>
           <a:p>
             <a:endParaRPr lang="zh-CN" altLang="en-US">
+              <a:effectLst>
+                <a:glow rad="228600">
+                  <a:schemeClr val="accent2">
+                    <a:satMod val="175000"/>
+                    <a:alpha val="40000"/>
+                  </a:schemeClr>
+                </a:glow>
+              </a:effectLst>
               <a:ea typeface="宋体" pitchFamily="2" charset="-122"/>
             </a:endParaRPr>
           </a:p>
@@ -20818,6 +21160,117 @@
                 <a:latin typeface="+mj-lt"/>
               </a:rPr>
               <a:t>7</a:t>
+            </a:r>
+          </a:p>
+        </p:txBody>
+      </p:sp>
+      <p:sp>
+        <p:nvSpPr>
+          <p:cNvPr id="2" name="Oval 1"/>
+          <p:cNvSpPr/>
+          <p:nvPr/>
+        </p:nvSpPr>
+        <p:spPr bwMode="auto">
+          <a:xfrm rot="1975289">
+            <a:off x="5183106" y="2942464"/>
+            <a:ext cx="1104766" cy="2292022"/>
+          </a:xfrm>
+          <a:prstGeom prst="ellipse">
+            <a:avLst/>
+          </a:prstGeom>
+          <a:noFill/>
+          <a:ln w="38100" cap="flat" cmpd="sng" algn="ctr">
+            <a:solidFill>
+              <a:schemeClr val="accent1">
+                <a:lumMod val="50000"/>
+              </a:schemeClr>
+            </a:solidFill>
+            <a:prstDash val="sysDash"/>
+            <a:round/>
+            <a:headEnd type="none" w="med" len="med"/>
+            <a:tailEnd type="stealth" w="lg" len="lg"/>
+          </a:ln>
+          <a:effectLst/>
+        </p:spPr>
+        <p:txBody>
+          <a:bodyPr vert="horz" wrap="square" lIns="91440" tIns="45720" rIns="91440" bIns="45720" numCol="1" rtlCol="0" anchor="t" anchorCtr="0" compatLnSpc="1">
+            <a:prstTxWarp prst="textNoShape">
+              <a:avLst/>
+            </a:prstTxWarp>
+          </a:bodyPr>
+          <a:lstStyle/>
+          <a:p>
+            <a:pPr marL="0" marR="0" indent="0" algn="l" defTabSz="914400" rtl="0" eaLnBrk="1" fontAlgn="base" latinLnBrk="0" hangingPunct="1">
+              <a:lnSpc>
+                <a:spcPct val="100000"/>
+              </a:lnSpc>
+              <a:spcBef>
+                <a:spcPct val="0"/>
+              </a:spcBef>
+              <a:spcAft>
+                <a:spcPct val="0"/>
+              </a:spcAft>
+              <a:buClrTx/>
+              <a:buSzTx/>
+              <a:buFontTx/>
+              <a:buNone/>
+              <a:tabLst/>
+            </a:pPr>
+            <a:endParaRPr kumimoji="0" lang="en-US" sz="4000" b="0" i="0" u="none" strike="noStrike" cap="none" normalizeH="0" baseline="0" smtClean="0">
+              <a:ln>
+                <a:noFill/>
+              </a:ln>
+              <a:solidFill>
+                <a:schemeClr val="tx1"/>
+              </a:solidFill>
+              <a:effectLst/>
+              <a:latin typeface="Arial" pitchFamily="34" charset="0"/>
+            </a:endParaRPr>
+          </a:p>
+        </p:txBody>
+      </p:sp>
+      <p:sp>
+        <p:nvSpPr>
+          <p:cNvPr id="3" name="TextBox 2"/>
+          <p:cNvSpPr txBox="1"/>
+          <p:nvPr/>
+        </p:nvSpPr>
+        <p:spPr>
+          <a:xfrm>
+            <a:off x="5925459" y="4089735"/>
+            <a:ext cx="1959516" cy="954107"/>
+          </a:xfrm>
+          <a:prstGeom prst="rect">
+            <a:avLst/>
+          </a:prstGeom>
+          <a:noFill/>
+        </p:spPr>
+        <p:txBody>
+          <a:bodyPr wrap="none" rtlCol="0">
+            <a:spAutoFit/>
+          </a:bodyPr>
+          <a:lstStyle/>
+          <a:p>
+            <a:pPr algn="ctr"/>
+            <a:r>
+              <a:rPr lang="en-US" sz="2800" dirty="0" smtClean="0">
+                <a:latin typeface="+mj-lt"/>
+              </a:rPr>
+              <a:t>black</a:t>
+            </a:r>
+          </a:p>
+          <a:p>
+            <a:pPr algn="ctr"/>
+            <a:r>
+              <a:rPr lang="en-US" sz="2800" dirty="0" smtClean="0">
+                <a:solidFill>
+                  <a:schemeClr val="accent1">
+                    <a:lumMod val="50000"/>
+                  </a:schemeClr>
+                </a:solidFill>
+                <a:latin typeface="+mj-lt"/>
+              </a:rPr>
+              <a:t>component</a:t>
             </a:r>
           </a:p>
         </p:txBody>
@@ -20847,9 +21300,127 @@
   <p:timing>
     <p:tnLst>
       <p:par>
-        <p:cTn xmlns:p14="http://schemas.microsoft.com/office/powerpoint/2010/main" id="1" dur="indefinite" restart="never" nodeType="tmRoot"/>
+        <p:cTn xmlns:p14="http://schemas.microsoft.com/office/powerpoint/2010/main" id="1" dur="indefinite" restart="never" nodeType="tmRoot">
+          <p:childTnLst>
+            <p:seq concurrent="1" nextAc="seek">
+              <p:cTn id="2" dur="indefinite" nodeType="mainSeq">
+                <p:childTnLst>
+                  <p:par>
+                    <p:cTn id="3" fill="hold">
+                      <p:stCondLst>
+                        <p:cond delay="indefinite"/>
+                        <p:cond evt="onBegin" delay="0">
+                          <p:tn val="2"/>
+                        </p:cond>
+                      </p:stCondLst>
+                      <p:childTnLst>
+                        <p:par>
+                          <p:cTn id="4" fill="hold">
+                            <p:stCondLst>
+                              <p:cond delay="0"/>
+                            </p:stCondLst>
+                            <p:childTnLst>
+                              <p:par>
+                                <p:cTn id="5" presetID="22" presetClass="entr" presetSubtype="2" fill="hold" grpId="0" nodeType="afterEffect">
+                                  <p:stCondLst>
+                                    <p:cond delay="0"/>
+                                  </p:stCondLst>
+                                  <p:childTnLst>
+                                    <p:set>
+                                      <p:cBhvr>
+                                        <p:cTn id="6" dur="1" fill="hold">
+                                          <p:stCondLst>
+                                            <p:cond delay="0"/>
+                                          </p:stCondLst>
+                                        </p:cTn>
+                                        <p:tgtEl>
+                                          <p:spTgt spid="2"/>
+                                        </p:tgtEl>
+                                        <p:attrNameLst>
+                                          <p:attrName>style.visibility</p:attrName>
+                                        </p:attrNameLst>
+                                      </p:cBhvr>
+                                      <p:to>
+                                        <p:strVal val="visible"/>
+                                      </p:to>
+                                    </p:set>
+                                    <p:animEffect transition="in" filter="wipe(right)">
+                                      <p:cBhvr>
+                                        <p:cTn id="7" dur="1000"/>
+                                        <p:tgtEl>
+                                          <p:spTgt spid="2"/>
+                                        </p:tgtEl>
+                                      </p:cBhvr>
+                                    </p:animEffect>
+                                  </p:childTnLst>
+                                </p:cTn>
+                              </p:par>
+                              <p:par>
+                                <p:cTn id="8" presetID="10" presetClass="entr" presetSubtype="0" fill="hold" grpId="0" nodeType="withEffect">
+                                  <p:stCondLst>
+                                    <p:cond delay="0"/>
+                                  </p:stCondLst>
+                                  <p:childTnLst>
+                                    <p:set>
+                                      <p:cBhvr>
+                                        <p:cTn id="9" dur="1" fill="hold">
+                                          <p:stCondLst>
+                                            <p:cond delay="0"/>
+                                          </p:stCondLst>
+                                        </p:cTn>
+                                        <p:tgtEl>
+                                          <p:spTgt spid="3"/>
+                                        </p:tgtEl>
+                                        <p:attrNameLst>
+                                          <p:attrName>style.visibility</p:attrName>
+                                        </p:attrNameLst>
+                                      </p:cBhvr>
+                                      <p:to>
+                                        <p:strVal val="visible"/>
+                                      </p:to>
+                                    </p:set>
+                                    <p:animEffect transition="in" filter="fade">
+                                      <p:cBhvr>
+                                        <p:cTn id="10" dur="500"/>
+                                        <p:tgtEl>
+                                          <p:spTgt spid="3"/>
+                                        </p:tgtEl>
+                                      </p:cBhvr>
+                                    </p:animEffect>
+                                  </p:childTnLst>
+                                </p:cTn>
+                              </p:par>
+                            </p:childTnLst>
+                          </p:cTn>
+                        </p:par>
+                      </p:childTnLst>
+                    </p:cTn>
+                  </p:par>
+                </p:childTnLst>
+              </p:cTn>
+              <p:prevCondLst>
+                <p:cond evt="onPrev" delay="0">
+                  <p:tgtEl>
+                    <p:sldTgt/>
+                  </p:tgtEl>
+                </p:cond>
+              </p:prevCondLst>
+              <p:nextCondLst>
+                <p:cond evt="onNext" delay="0">
+                  <p:tgtEl>
+                    <p:sldTgt/>
+                  </p:tgtEl>
+                </p:cond>
+              </p:nextCondLst>
+            </p:seq>
+          </p:childTnLst>
+        </p:cTn>
       </p:par>
     </p:tnLst>
+    <p:bldLst>
+      <p:bldP spid="2" grpId="0" animBg="1"/>
+      <p:bldP spid="3" grpId="0"/>
+    </p:bldLst>
   </p:timing>
 </p:sld>
 </file>
